--- a/Notebooks/English/05 - Active Directory/04 - Manage app and resource access by using Azure Active Directory groups - Learn  Microsoft Docs.pptx
+++ b/Notebooks/English/05 - Active Directory/04 - Manage app and resource access by using Azure Active Directory groups - Learn  Microsoft Docs.pptx
@@ -1,20 +1,23 @@
 
 <file path=ppt/presentation.xml><?xml version="1.0" encoding="utf-8"?>
-<p:presentation xmlns:a="http://schemas.openxmlformats.org/drawingml/2006/main" xmlns:r="http://schemas.openxmlformats.org/officeDocument/2006/relationships" xmlns:p="http://schemas.openxmlformats.org/presentationml/2006/main" saveSubsetFonts="1" autoCompressPictures="0">
+<p:presentation xmlns:a="http://schemas.openxmlformats.org/drawingml/2006/main" xmlns:p="http://schemas.openxmlformats.org/presentationml/2006/main" xmlns:r="http://schemas.openxmlformats.org/officeDocument/2006/relationships" autoCompressPictures="0" saveSubsetFonts="1">
   <p:sldMasterIdLst>
     <p:sldMasterId id="2147483648" r:id="rId1"/>
   </p:sldMasterIdLst>
   <p:sldIdLst>
-    <p:sldId id="256" r:id="rId7"/>
+    <p:sldId id="256" r:id="rId2"/>
+    <p:sldId id="257" r:id="rId3"/>
+    <p:sldId id="258" r:id="rId4"/>
+    <p:sldId id="259" r:id="rId5"/>
   </p:sldIdLst>
-  <p:sldSz cx="9144000" cy="6858000" type="screen4x3"/>
+  <p:sldSz cx="9144000" cy="5143500" type="screen16x9"/>
   <p:notesSz cx="6858000" cy="9144000"/>
   <p:defaultTextStyle>
     <a:defPPr>
       <a:defRPr lang="en-US"/>
     </a:defPPr>
-    <a:lvl1pPr marL="0" algn="l" defTabSz="457200" rtl="0" eaLnBrk="1" latinLnBrk="0" hangingPunct="1">
-      <a:defRPr sz="1800" kern="1200">
+    <a:lvl1pPr algn="l" defTabSz="457200" eaLnBrk="1" hangingPunct="1" latinLnBrk="0" marL="0" rtl="0">
+      <a:defRPr kern="1200" sz="1800">
         <a:solidFill>
           <a:schemeClr val="tx1"/>
         </a:solidFill>
@@ -23,8 +26,8 @@
         <a:cs typeface="+mn-cs"/>
       </a:defRPr>
     </a:lvl1pPr>
-    <a:lvl2pPr marL="457200" algn="l" defTabSz="457200" rtl="0" eaLnBrk="1" latinLnBrk="0" hangingPunct="1">
-      <a:defRPr sz="1800" kern="1200">
+    <a:lvl2pPr algn="l" defTabSz="457200" eaLnBrk="1" hangingPunct="1" latinLnBrk="0" marL="457200" rtl="0">
+      <a:defRPr kern="1200" sz="1800">
         <a:solidFill>
           <a:schemeClr val="tx1"/>
         </a:solidFill>
@@ -33,8 +36,8 @@
         <a:cs typeface="+mn-cs"/>
       </a:defRPr>
     </a:lvl2pPr>
-    <a:lvl3pPr marL="914400" algn="l" defTabSz="457200" rtl="0" eaLnBrk="1" latinLnBrk="0" hangingPunct="1">
-      <a:defRPr sz="1800" kern="1200">
+    <a:lvl3pPr algn="l" defTabSz="457200" eaLnBrk="1" hangingPunct="1" latinLnBrk="0" marL="914400" rtl="0">
+      <a:defRPr kern="1200" sz="1800">
         <a:solidFill>
           <a:schemeClr val="tx1"/>
         </a:solidFill>
@@ -43,8 +46,8 @@
         <a:cs typeface="+mn-cs"/>
       </a:defRPr>
     </a:lvl3pPr>
-    <a:lvl4pPr marL="1371600" algn="l" defTabSz="457200" rtl="0" eaLnBrk="1" latinLnBrk="0" hangingPunct="1">
-      <a:defRPr sz="1800" kern="1200">
+    <a:lvl4pPr algn="l" defTabSz="457200" eaLnBrk="1" hangingPunct="1" latinLnBrk="0" marL="1371600" rtl="0">
+      <a:defRPr kern="1200" sz="1800">
         <a:solidFill>
           <a:schemeClr val="tx1"/>
         </a:solidFill>
@@ -53,8 +56,8 @@
         <a:cs typeface="+mn-cs"/>
       </a:defRPr>
     </a:lvl4pPr>
-    <a:lvl5pPr marL="1828800" algn="l" defTabSz="457200" rtl="0" eaLnBrk="1" latinLnBrk="0" hangingPunct="1">
-      <a:defRPr sz="1800" kern="1200">
+    <a:lvl5pPr algn="l" defTabSz="457200" eaLnBrk="1" hangingPunct="1" latinLnBrk="0" marL="1828800" rtl="0">
+      <a:defRPr kern="1200" sz="1800">
         <a:solidFill>
           <a:schemeClr val="tx1"/>
         </a:solidFill>
@@ -63,8 +66,8 @@
         <a:cs typeface="+mn-cs"/>
       </a:defRPr>
     </a:lvl5pPr>
-    <a:lvl6pPr marL="2286000" algn="l" defTabSz="457200" rtl="0" eaLnBrk="1" latinLnBrk="0" hangingPunct="1">
-      <a:defRPr sz="1800" kern="1200">
+    <a:lvl6pPr algn="l" defTabSz="457200" eaLnBrk="1" hangingPunct="1" latinLnBrk="0" marL="2286000" rtl="0">
+      <a:defRPr kern="1200" sz="1800">
         <a:solidFill>
           <a:schemeClr val="tx1"/>
         </a:solidFill>
@@ -73,8 +76,8 @@
         <a:cs typeface="+mn-cs"/>
       </a:defRPr>
     </a:lvl6pPr>
-    <a:lvl7pPr marL="2743200" algn="l" defTabSz="457200" rtl="0" eaLnBrk="1" latinLnBrk="0" hangingPunct="1">
-      <a:defRPr sz="1800" kern="1200">
+    <a:lvl7pPr algn="l" defTabSz="457200" eaLnBrk="1" hangingPunct="1" latinLnBrk="0" marL="2743200" rtl="0">
+      <a:defRPr kern="1200" sz="1800">
         <a:solidFill>
           <a:schemeClr val="tx1"/>
         </a:solidFill>
@@ -83,8 +86,8 @@
         <a:cs typeface="+mn-cs"/>
       </a:defRPr>
     </a:lvl7pPr>
-    <a:lvl8pPr marL="3200400" algn="l" defTabSz="457200" rtl="0" eaLnBrk="1" latinLnBrk="0" hangingPunct="1">
-      <a:defRPr sz="1800" kern="1200">
+    <a:lvl8pPr algn="l" defTabSz="457200" eaLnBrk="1" hangingPunct="1" latinLnBrk="0" marL="3200400" rtl="0">
+      <a:defRPr kern="1200" sz="1800">
         <a:solidFill>
           <a:schemeClr val="tx1"/>
         </a:solidFill>
@@ -93,8 +96,8 @@
         <a:cs typeface="+mn-cs"/>
       </a:defRPr>
     </a:lvl8pPr>
-    <a:lvl9pPr marL="3657600" algn="l" defTabSz="457200" rtl="0" eaLnBrk="1" latinLnBrk="0" hangingPunct="1">
-      <a:defRPr sz="1800" kern="1200">
+    <a:lvl9pPr algn="l" defTabSz="457200" eaLnBrk="1" hangingPunct="1" latinLnBrk="0" marL="3657600" rtl="0">
+      <a:defRPr kern="1200" sz="1800">
         <a:solidFill>
           <a:schemeClr val="tx1"/>
         </a:solidFill>
@@ -104,6 +107,22 @@
       </a:defRPr>
     </a:lvl9pPr>
   </p:defaultTextStyle>
+  <p:extLst>
+    <p:ext uri="{EFAFB233-063F-42B5-8137-9DF3F51BA10A}">
+      <p15:sldGuideLst xmlns:p15="http://schemas.microsoft.com/office/powerpoint/2012/main">
+        <p15:guide id="1" orient="horz" pos="1620" userDrawn="1">
+          <p15:clr>
+            <a:srgbClr val="A4A3A4"/>
+          </p15:clr>
+        </p15:guide>
+        <p15:guide id="2" pos="2880" userDrawn="1">
+          <p15:clr>
+            <a:srgbClr val="A4A3A4"/>
+          </p15:clr>
+        </p15:guide>
+      </p15:sldGuideLst>
+    </p:ext>
+  </p:extLst>
 </p:presentation>
 </file>
 
@@ -136,8 +155,8 @@
         </p:nvSpPr>
         <p:spPr>
           <a:xfrm>
-            <a:off x="685800" y="2130425"/>
-            <a:ext cx="7772400" cy="1470025"/>
+            <a:off x="685800" y="1597819"/>
+            <a:ext cx="7772400" cy="1102519"/>
           </a:xfrm>
         </p:spPr>
         <p:txBody>
@@ -145,10 +164,9 @@
           <a:lstStyle/>
           <a:p>
             <a:r>
-              <a:rPr lang="en-US" smtClean="0"/>
+              <a:rPr lang="en-US"/>
               <a:t>Click to edit Master title style</a:t>
             </a:r>
-            <a:endParaRPr lang="en-US"/>
           </a:p>
         </p:txBody>
       </p:sp>
@@ -164,8 +182,8 @@
         </p:nvSpPr>
         <p:spPr>
           <a:xfrm>
-            <a:off x="1371600" y="3886200"/>
-            <a:ext cx="6400800" cy="1752600"/>
+            <a:off x="1371600" y="2914650"/>
+            <a:ext cx="6400800" cy="1314450"/>
           </a:xfrm>
         </p:spPr>
         <p:txBody>
@@ -181,7 +199,7 @@
                 </a:solidFill>
               </a:defRPr>
             </a:lvl1pPr>
-            <a:lvl2pPr marL="457200" indent="0" algn="ctr">
+            <a:lvl2pPr marL="342900" indent="0" algn="ctr">
               <a:buNone/>
               <a:defRPr>
                 <a:solidFill>
@@ -191,7 +209,7 @@
                 </a:solidFill>
               </a:defRPr>
             </a:lvl2pPr>
-            <a:lvl3pPr marL="914400" indent="0" algn="ctr">
+            <a:lvl3pPr marL="685800" indent="0" algn="ctr">
               <a:buNone/>
               <a:defRPr>
                 <a:solidFill>
@@ -201,7 +219,7 @@
                 </a:solidFill>
               </a:defRPr>
             </a:lvl3pPr>
-            <a:lvl4pPr marL="1371600" indent="0" algn="ctr">
+            <a:lvl4pPr marL="1028700" indent="0" algn="ctr">
               <a:buNone/>
               <a:defRPr>
                 <a:solidFill>
@@ -211,7 +229,7 @@
                 </a:solidFill>
               </a:defRPr>
             </a:lvl4pPr>
-            <a:lvl5pPr marL="1828800" indent="0" algn="ctr">
+            <a:lvl5pPr marL="1371600" indent="0" algn="ctr">
               <a:buNone/>
               <a:defRPr>
                 <a:solidFill>
@@ -221,7 +239,7 @@
                 </a:solidFill>
               </a:defRPr>
             </a:lvl5pPr>
-            <a:lvl6pPr marL="2286000" indent="0" algn="ctr">
+            <a:lvl6pPr marL="1714500" indent="0" algn="ctr">
               <a:buNone/>
               <a:defRPr>
                 <a:solidFill>
@@ -231,7 +249,7 @@
                 </a:solidFill>
               </a:defRPr>
             </a:lvl6pPr>
-            <a:lvl7pPr marL="2743200" indent="0" algn="ctr">
+            <a:lvl7pPr marL="2057400" indent="0" algn="ctr">
               <a:buNone/>
               <a:defRPr>
                 <a:solidFill>
@@ -241,7 +259,7 @@
                 </a:solidFill>
               </a:defRPr>
             </a:lvl7pPr>
-            <a:lvl8pPr marL="3200400" indent="0" algn="ctr">
+            <a:lvl8pPr marL="2400300" indent="0" algn="ctr">
               <a:buNone/>
               <a:defRPr>
                 <a:solidFill>
@@ -251,7 +269,7 @@
                 </a:solidFill>
               </a:defRPr>
             </a:lvl8pPr>
-            <a:lvl9pPr marL="3657600" indent="0" algn="ctr">
+            <a:lvl9pPr marL="2743200" indent="0" algn="ctr">
               <a:buNone/>
               <a:defRPr>
                 <a:solidFill>
@@ -264,31 +282,30 @@
           </a:lstStyle>
           <a:p>
             <a:r>
+              <a:rPr lang="en-US"/>
+              <a:t>Click to edit Master subtitle style</a:t>
+            </a:r>
+          </a:p>
+        </p:txBody>
+      </p:sp>
+      <p:sp>
+        <p:nvSpPr>
+          <p:cNvPr id="4" name="Date Placeholder 3"/>
+          <p:cNvSpPr>
+            <a:spLocks noGrp="1"/>
+          </p:cNvSpPr>
+          <p:nvPr>
+            <p:ph type="dt" sz="half" idx="10"/>
+          </p:nvPr>
+        </p:nvSpPr>
+        <p:spPr/>
+        <p:txBody>
+          <a:bodyPr/>
+          <a:lstStyle/>
+          <a:p>
+            <a:fld id="{241EB5C9-1307-BA42-ABA2-0BC069CD8E7F}" type="datetimeFigureOut">
               <a:rPr lang="en-US" smtClean="0"/>
-              <a:t>Click to edit Master subtitle style</a:t>
-            </a:r>
-            <a:endParaRPr lang="en-US"/>
-          </a:p>
-        </p:txBody>
-      </p:sp>
-      <p:sp>
-        <p:nvSpPr>
-          <p:cNvPr id="4" name="Date Placeholder 3"/>
-          <p:cNvSpPr>
-            <a:spLocks noGrp="1"/>
-          </p:cNvSpPr>
-          <p:nvPr>
-            <p:ph type="dt" sz="half" idx="10"/>
-          </p:nvPr>
-        </p:nvSpPr>
-        <p:spPr/>
-        <p:txBody>
-          <a:bodyPr/>
-          <a:lstStyle/>
-          <a:p>
-            <a:fld id="{5BCAD085-E8A6-8845-BD4E-CB4CCA059FC4}" type="datetimeFigureOut">
-              <a:rPr lang="en-US" smtClean="0"/>
-              <a:t>1/27/13</a:t>
+              <a:t>1/2/22</a:t>
             </a:fld>
             <a:endParaRPr lang="en-US"/>
           </a:p>
@@ -328,7 +345,7 @@
           <a:bodyPr/>
           <a:lstStyle/>
           <a:p>
-            <a:fld id="{C1FF6DA9-008F-8B48-92A6-B652298478BF}" type="slidenum">
+            <a:fld id="{C5EF2332-01BF-834F-8236-50238282D533}" type="slidenum">
               <a:rPr lang="en-US" smtClean="0"/>
               <a:t>‹#›</a:t>
             </a:fld>
@@ -339,7 +356,7 @@
     </p:spTree>
     <p:extLst>
       <p:ext uri="{BB962C8B-B14F-4D97-AF65-F5344CB8AC3E}">
-        <p14:creationId xmlns:p14="http://schemas.microsoft.com/office/powerpoint/2010/main" val="3168075583"/>
+        <p14:creationId xmlns:p14="http://schemas.microsoft.com/office/powerpoint/2010/main" val="1444357513"/>
       </p:ext>
     </p:extLst>
   </p:cSld>
@@ -382,83 +399,81 @@
           <a:lstStyle/>
           <a:p>
             <a:r>
+              <a:rPr lang="en-US"/>
+              <a:t>Click to edit Master title style</a:t>
+            </a:r>
+          </a:p>
+        </p:txBody>
+      </p:sp>
+      <p:sp>
+        <p:nvSpPr>
+          <p:cNvPr id="3" name="Vertical Text Placeholder 2"/>
+          <p:cNvSpPr>
+            <a:spLocks noGrp="1"/>
+          </p:cNvSpPr>
+          <p:nvPr>
+            <p:ph type="body" orient="vert" idx="1"/>
+          </p:nvPr>
+        </p:nvSpPr>
+        <p:spPr/>
+        <p:txBody>
+          <a:bodyPr vert="eaVert"/>
+          <a:lstStyle/>
+          <a:p>
+            <a:pPr lvl="0"/>
+            <a:r>
+              <a:rPr lang="en-US"/>
+              <a:t>Click to edit Master text styles</a:t>
+            </a:r>
+          </a:p>
+          <a:p>
+            <a:pPr lvl="1"/>
+            <a:r>
+              <a:rPr lang="en-US"/>
+              <a:t>Second level</a:t>
+            </a:r>
+          </a:p>
+          <a:p>
+            <a:pPr lvl="2"/>
+            <a:r>
+              <a:rPr lang="en-US"/>
+              <a:t>Third level</a:t>
+            </a:r>
+          </a:p>
+          <a:p>
+            <a:pPr lvl="3"/>
+            <a:r>
+              <a:rPr lang="en-US"/>
+              <a:t>Fourth level</a:t>
+            </a:r>
+          </a:p>
+          <a:p>
+            <a:pPr lvl="4"/>
+            <a:r>
+              <a:rPr lang="en-US"/>
+              <a:t>Fifth level</a:t>
+            </a:r>
+          </a:p>
+        </p:txBody>
+      </p:sp>
+      <p:sp>
+        <p:nvSpPr>
+          <p:cNvPr id="4" name="Date Placeholder 3"/>
+          <p:cNvSpPr>
+            <a:spLocks noGrp="1"/>
+          </p:cNvSpPr>
+          <p:nvPr>
+            <p:ph type="dt" sz="half" idx="10"/>
+          </p:nvPr>
+        </p:nvSpPr>
+        <p:spPr/>
+        <p:txBody>
+          <a:bodyPr/>
+          <a:lstStyle/>
+          <a:p>
+            <a:fld id="{241EB5C9-1307-BA42-ABA2-0BC069CD8E7F}" type="datetimeFigureOut">
               <a:rPr lang="en-US" smtClean="0"/>
-              <a:t>Click to edit Master title style</a:t>
-            </a:r>
-            <a:endParaRPr lang="en-US"/>
-          </a:p>
-        </p:txBody>
-      </p:sp>
-      <p:sp>
-        <p:nvSpPr>
-          <p:cNvPr id="3" name="Vertical Text Placeholder 2"/>
-          <p:cNvSpPr>
-            <a:spLocks noGrp="1"/>
-          </p:cNvSpPr>
-          <p:nvPr>
-            <p:ph type="body" orient="vert" idx="1"/>
-          </p:nvPr>
-        </p:nvSpPr>
-        <p:spPr/>
-        <p:txBody>
-          <a:bodyPr vert="eaVert"/>
-          <a:lstStyle/>
-          <a:p>
-            <a:pPr lvl="0"/>
-            <a:r>
-              <a:rPr lang="en-US" smtClean="0"/>
-              <a:t>Click to edit Master text styles</a:t>
-            </a:r>
-          </a:p>
-          <a:p>
-            <a:pPr lvl="1"/>
-            <a:r>
-              <a:rPr lang="en-US" smtClean="0"/>
-              <a:t>Second level</a:t>
-            </a:r>
-          </a:p>
-          <a:p>
-            <a:pPr lvl="2"/>
-            <a:r>
-              <a:rPr lang="en-US" smtClean="0"/>
-              <a:t>Third level</a:t>
-            </a:r>
-          </a:p>
-          <a:p>
-            <a:pPr lvl="3"/>
-            <a:r>
-              <a:rPr lang="en-US" smtClean="0"/>
-              <a:t>Fourth level</a:t>
-            </a:r>
-          </a:p>
-          <a:p>
-            <a:pPr lvl="4"/>
-            <a:r>
-              <a:rPr lang="en-US" smtClean="0"/>
-              <a:t>Fifth level</a:t>
-            </a:r>
-            <a:endParaRPr lang="en-US"/>
-          </a:p>
-        </p:txBody>
-      </p:sp>
-      <p:sp>
-        <p:nvSpPr>
-          <p:cNvPr id="4" name="Date Placeholder 3"/>
-          <p:cNvSpPr>
-            <a:spLocks noGrp="1"/>
-          </p:cNvSpPr>
-          <p:nvPr>
-            <p:ph type="dt" sz="half" idx="10"/>
-          </p:nvPr>
-        </p:nvSpPr>
-        <p:spPr/>
-        <p:txBody>
-          <a:bodyPr/>
-          <a:lstStyle/>
-          <a:p>
-            <a:fld id="{5BCAD085-E8A6-8845-BD4E-CB4CCA059FC4}" type="datetimeFigureOut">
-              <a:rPr lang="en-US" smtClean="0"/>
-              <a:t>1/27/13</a:t>
+              <a:t>1/2/22</a:t>
             </a:fld>
             <a:endParaRPr lang="en-US"/>
           </a:p>
@@ -498,7 +513,7 @@
           <a:bodyPr/>
           <a:lstStyle/>
           <a:p>
-            <a:fld id="{C1FF6DA9-008F-8B48-92A6-B652298478BF}" type="slidenum">
+            <a:fld id="{C5EF2332-01BF-834F-8236-50238282D533}" type="slidenum">
               <a:rPr lang="en-US" smtClean="0"/>
               <a:t>‹#›</a:t>
             </a:fld>
@@ -509,7 +524,7 @@
     </p:spTree>
     <p:extLst>
       <p:ext uri="{BB962C8B-B14F-4D97-AF65-F5344CB8AC3E}">
-        <p14:creationId xmlns:p14="http://schemas.microsoft.com/office/powerpoint/2010/main" val="2910927964"/>
+        <p14:creationId xmlns:p14="http://schemas.microsoft.com/office/powerpoint/2010/main" val="313914798"/>
       </p:ext>
     </p:extLst>
   </p:cSld>
@@ -548,8 +563,8 @@
         </p:nvSpPr>
         <p:spPr>
           <a:xfrm>
-            <a:off x="6629400" y="274638"/>
-            <a:ext cx="2057400" cy="5851525"/>
+            <a:off x="6629400" y="205979"/>
+            <a:ext cx="2057400" cy="4388644"/>
           </a:xfrm>
         </p:spPr>
         <p:txBody>
@@ -557,10 +572,9 @@
           <a:lstStyle/>
           <a:p>
             <a:r>
-              <a:rPr lang="en-US" smtClean="0"/>
+              <a:rPr lang="en-US"/>
               <a:t>Click to edit Master title style</a:t>
             </a:r>
-            <a:endParaRPr lang="en-US"/>
           </a:p>
         </p:txBody>
       </p:sp>
@@ -576,8 +590,8 @@
         </p:nvSpPr>
         <p:spPr>
           <a:xfrm>
-            <a:off x="457200" y="274638"/>
-            <a:ext cx="6019800" cy="5851525"/>
+            <a:off x="457200" y="205979"/>
+            <a:ext cx="6019800" cy="4388644"/>
           </a:xfrm>
         </p:spPr>
         <p:txBody>
@@ -586,59 +600,58 @@
           <a:p>
             <a:pPr lvl="0"/>
             <a:r>
+              <a:rPr lang="en-US"/>
+              <a:t>Click to edit Master text styles</a:t>
+            </a:r>
+          </a:p>
+          <a:p>
+            <a:pPr lvl="1"/>
+            <a:r>
+              <a:rPr lang="en-US"/>
+              <a:t>Second level</a:t>
+            </a:r>
+          </a:p>
+          <a:p>
+            <a:pPr lvl="2"/>
+            <a:r>
+              <a:rPr lang="en-US"/>
+              <a:t>Third level</a:t>
+            </a:r>
+          </a:p>
+          <a:p>
+            <a:pPr lvl="3"/>
+            <a:r>
+              <a:rPr lang="en-US"/>
+              <a:t>Fourth level</a:t>
+            </a:r>
+          </a:p>
+          <a:p>
+            <a:pPr lvl="4"/>
+            <a:r>
+              <a:rPr lang="en-US"/>
+              <a:t>Fifth level</a:t>
+            </a:r>
+          </a:p>
+        </p:txBody>
+      </p:sp>
+      <p:sp>
+        <p:nvSpPr>
+          <p:cNvPr id="4" name="Date Placeholder 3"/>
+          <p:cNvSpPr>
+            <a:spLocks noGrp="1"/>
+          </p:cNvSpPr>
+          <p:nvPr>
+            <p:ph type="dt" sz="half" idx="10"/>
+          </p:nvPr>
+        </p:nvSpPr>
+        <p:spPr/>
+        <p:txBody>
+          <a:bodyPr/>
+          <a:lstStyle/>
+          <a:p>
+            <a:fld id="{241EB5C9-1307-BA42-ABA2-0BC069CD8E7F}" type="datetimeFigureOut">
               <a:rPr lang="en-US" smtClean="0"/>
-              <a:t>Click to edit Master text styles</a:t>
-            </a:r>
-          </a:p>
-          <a:p>
-            <a:pPr lvl="1"/>
-            <a:r>
-              <a:rPr lang="en-US" smtClean="0"/>
-              <a:t>Second level</a:t>
-            </a:r>
-          </a:p>
-          <a:p>
-            <a:pPr lvl="2"/>
-            <a:r>
-              <a:rPr lang="en-US" smtClean="0"/>
-              <a:t>Third level</a:t>
-            </a:r>
-          </a:p>
-          <a:p>
-            <a:pPr lvl="3"/>
-            <a:r>
-              <a:rPr lang="en-US" smtClean="0"/>
-              <a:t>Fourth level</a:t>
-            </a:r>
-          </a:p>
-          <a:p>
-            <a:pPr lvl="4"/>
-            <a:r>
-              <a:rPr lang="en-US" smtClean="0"/>
-              <a:t>Fifth level</a:t>
-            </a:r>
-            <a:endParaRPr lang="en-US"/>
-          </a:p>
-        </p:txBody>
-      </p:sp>
-      <p:sp>
-        <p:nvSpPr>
-          <p:cNvPr id="4" name="Date Placeholder 3"/>
-          <p:cNvSpPr>
-            <a:spLocks noGrp="1"/>
-          </p:cNvSpPr>
-          <p:nvPr>
-            <p:ph type="dt" sz="half" idx="10"/>
-          </p:nvPr>
-        </p:nvSpPr>
-        <p:spPr/>
-        <p:txBody>
-          <a:bodyPr/>
-          <a:lstStyle/>
-          <a:p>
-            <a:fld id="{5BCAD085-E8A6-8845-BD4E-CB4CCA059FC4}" type="datetimeFigureOut">
-              <a:rPr lang="en-US" smtClean="0"/>
-              <a:t>1/27/13</a:t>
+              <a:t>1/2/22</a:t>
             </a:fld>
             <a:endParaRPr lang="en-US"/>
           </a:p>
@@ -678,7 +691,7 @@
           <a:bodyPr/>
           <a:lstStyle/>
           <a:p>
-            <a:fld id="{C1FF6DA9-008F-8B48-92A6-B652298478BF}" type="slidenum">
+            <a:fld id="{C5EF2332-01BF-834F-8236-50238282D533}" type="slidenum">
               <a:rPr lang="en-US" smtClean="0"/>
               <a:t>‹#›</a:t>
             </a:fld>
@@ -689,7 +702,7 @@
     </p:spTree>
     <p:extLst>
       <p:ext uri="{BB962C8B-B14F-4D97-AF65-F5344CB8AC3E}">
-        <p14:creationId xmlns:p14="http://schemas.microsoft.com/office/powerpoint/2010/main" val="3612223792"/>
+        <p14:creationId xmlns:p14="http://schemas.microsoft.com/office/powerpoint/2010/main" val="2581529045"/>
       </p:ext>
     </p:extLst>
   </p:cSld>
@@ -732,83 +745,81 @@
           <a:lstStyle/>
           <a:p>
             <a:r>
+              <a:rPr lang="en-US"/>
+              <a:t>Click to edit Master title style</a:t>
+            </a:r>
+          </a:p>
+        </p:txBody>
+      </p:sp>
+      <p:sp>
+        <p:nvSpPr>
+          <p:cNvPr id="3" name="Content Placeholder 2"/>
+          <p:cNvSpPr>
+            <a:spLocks noGrp="1"/>
+          </p:cNvSpPr>
+          <p:nvPr>
+            <p:ph idx="1"/>
+          </p:nvPr>
+        </p:nvSpPr>
+        <p:spPr/>
+        <p:txBody>
+          <a:bodyPr/>
+          <a:lstStyle/>
+          <a:p>
+            <a:pPr lvl="0"/>
+            <a:r>
+              <a:rPr lang="en-US"/>
+              <a:t>Click to edit Master text styles</a:t>
+            </a:r>
+          </a:p>
+          <a:p>
+            <a:pPr lvl="1"/>
+            <a:r>
+              <a:rPr lang="en-US"/>
+              <a:t>Second level</a:t>
+            </a:r>
+          </a:p>
+          <a:p>
+            <a:pPr lvl="2"/>
+            <a:r>
+              <a:rPr lang="en-US"/>
+              <a:t>Third level</a:t>
+            </a:r>
+          </a:p>
+          <a:p>
+            <a:pPr lvl="3"/>
+            <a:r>
+              <a:rPr lang="en-US"/>
+              <a:t>Fourth level</a:t>
+            </a:r>
+          </a:p>
+          <a:p>
+            <a:pPr lvl="4"/>
+            <a:r>
+              <a:rPr lang="en-US"/>
+              <a:t>Fifth level</a:t>
+            </a:r>
+          </a:p>
+        </p:txBody>
+      </p:sp>
+      <p:sp>
+        <p:nvSpPr>
+          <p:cNvPr id="4" name="Date Placeholder 3"/>
+          <p:cNvSpPr>
+            <a:spLocks noGrp="1"/>
+          </p:cNvSpPr>
+          <p:nvPr>
+            <p:ph type="dt" sz="half" idx="10"/>
+          </p:nvPr>
+        </p:nvSpPr>
+        <p:spPr/>
+        <p:txBody>
+          <a:bodyPr/>
+          <a:lstStyle/>
+          <a:p>
+            <a:fld id="{241EB5C9-1307-BA42-ABA2-0BC069CD8E7F}" type="datetimeFigureOut">
               <a:rPr lang="en-US" smtClean="0"/>
-              <a:t>Click to edit Master title style</a:t>
-            </a:r>
-            <a:endParaRPr lang="en-US"/>
-          </a:p>
-        </p:txBody>
-      </p:sp>
-      <p:sp>
-        <p:nvSpPr>
-          <p:cNvPr id="3" name="Content Placeholder 2"/>
-          <p:cNvSpPr>
-            <a:spLocks noGrp="1"/>
-          </p:cNvSpPr>
-          <p:nvPr>
-            <p:ph idx="1"/>
-          </p:nvPr>
-        </p:nvSpPr>
-        <p:spPr/>
-        <p:txBody>
-          <a:bodyPr/>
-          <a:lstStyle/>
-          <a:p>
-            <a:pPr lvl="0"/>
-            <a:r>
-              <a:rPr lang="en-US" smtClean="0"/>
-              <a:t>Click to edit Master text styles</a:t>
-            </a:r>
-          </a:p>
-          <a:p>
-            <a:pPr lvl="1"/>
-            <a:r>
-              <a:rPr lang="en-US" smtClean="0"/>
-              <a:t>Second level</a:t>
-            </a:r>
-          </a:p>
-          <a:p>
-            <a:pPr lvl="2"/>
-            <a:r>
-              <a:rPr lang="en-US" smtClean="0"/>
-              <a:t>Third level</a:t>
-            </a:r>
-          </a:p>
-          <a:p>
-            <a:pPr lvl="3"/>
-            <a:r>
-              <a:rPr lang="en-US" smtClean="0"/>
-              <a:t>Fourth level</a:t>
-            </a:r>
-          </a:p>
-          <a:p>
-            <a:pPr lvl="4"/>
-            <a:r>
-              <a:rPr lang="en-US" smtClean="0"/>
-              <a:t>Fifth level</a:t>
-            </a:r>
-            <a:endParaRPr lang="en-US"/>
-          </a:p>
-        </p:txBody>
-      </p:sp>
-      <p:sp>
-        <p:nvSpPr>
-          <p:cNvPr id="4" name="Date Placeholder 3"/>
-          <p:cNvSpPr>
-            <a:spLocks noGrp="1"/>
-          </p:cNvSpPr>
-          <p:nvPr>
-            <p:ph type="dt" sz="half" idx="10"/>
-          </p:nvPr>
-        </p:nvSpPr>
-        <p:spPr/>
-        <p:txBody>
-          <a:bodyPr/>
-          <a:lstStyle/>
-          <a:p>
-            <a:fld id="{5BCAD085-E8A6-8845-BD4E-CB4CCA059FC4}" type="datetimeFigureOut">
-              <a:rPr lang="en-US" smtClean="0"/>
-              <a:t>1/27/13</a:t>
+              <a:t>1/2/22</a:t>
             </a:fld>
             <a:endParaRPr lang="en-US"/>
           </a:p>
@@ -848,7 +859,7 @@
           <a:bodyPr/>
           <a:lstStyle/>
           <a:p>
-            <a:fld id="{C1FF6DA9-008F-8B48-92A6-B652298478BF}" type="slidenum">
+            <a:fld id="{C5EF2332-01BF-834F-8236-50238282D533}" type="slidenum">
               <a:rPr lang="en-US" smtClean="0"/>
               <a:t>‹#›</a:t>
             </a:fld>
@@ -859,7 +870,7 @@
     </p:spTree>
     <p:extLst>
       <p:ext uri="{BB962C8B-B14F-4D97-AF65-F5344CB8AC3E}">
-        <p14:creationId xmlns:p14="http://schemas.microsoft.com/office/powerpoint/2010/main" val="2614314258"/>
+        <p14:creationId xmlns:p14="http://schemas.microsoft.com/office/powerpoint/2010/main" val="338346009"/>
       </p:ext>
     </p:extLst>
   </p:cSld>
@@ -898,23 +909,22 @@
         </p:nvSpPr>
         <p:spPr>
           <a:xfrm>
-            <a:off x="722313" y="4406900"/>
-            <a:ext cx="7772400" cy="1362075"/>
+            <a:off x="722313" y="3305176"/>
+            <a:ext cx="7772400" cy="1021556"/>
           </a:xfrm>
         </p:spPr>
         <p:txBody>
           <a:bodyPr anchor="t"/>
           <a:lstStyle>
             <a:lvl1pPr algn="l">
-              <a:defRPr sz="4000" b="1" cap="all"/>
+              <a:defRPr sz="3000" b="1" cap="all"/>
             </a:lvl1pPr>
           </a:lstStyle>
           <a:p>
             <a:r>
-              <a:rPr lang="en-US" smtClean="0"/>
+              <a:rPr lang="en-US"/>
               <a:t>Click to edit Master title style</a:t>
             </a:r>
-            <a:endParaRPr lang="en-US"/>
           </a:p>
         </p:txBody>
       </p:sp>
@@ -930,8 +940,8 @@
         </p:nvSpPr>
         <p:spPr>
           <a:xfrm>
-            <a:off x="722313" y="2906713"/>
-            <a:ext cx="7772400" cy="1500187"/>
+            <a:off x="722313" y="2180035"/>
+            <a:ext cx="7772400" cy="1125140"/>
           </a:xfrm>
         </p:spPr>
         <p:txBody>
@@ -939,7 +949,7 @@
           <a:lstStyle>
             <a:lvl1pPr marL="0" indent="0">
               <a:buNone/>
-              <a:defRPr sz="2000">
+              <a:defRPr sz="1500">
                 <a:solidFill>
                   <a:schemeClr val="tx1">
                     <a:tint val="75000"/>
@@ -947,9 +957,9 @@
                 </a:solidFill>
               </a:defRPr>
             </a:lvl1pPr>
-            <a:lvl2pPr marL="457200" indent="0">
-              <a:buNone/>
-              <a:defRPr sz="1800">
+            <a:lvl2pPr marL="342900" indent="0">
+              <a:buNone/>
+              <a:defRPr sz="1350">
                 <a:solidFill>
                   <a:schemeClr val="tx1">
                     <a:tint val="75000"/>
@@ -957,9 +967,9 @@
                 </a:solidFill>
               </a:defRPr>
             </a:lvl2pPr>
-            <a:lvl3pPr marL="914400" indent="0">
-              <a:buNone/>
-              <a:defRPr sz="1600">
+            <a:lvl3pPr marL="685800" indent="0">
+              <a:buNone/>
+              <a:defRPr sz="1200">
                 <a:solidFill>
                   <a:schemeClr val="tx1">
                     <a:tint val="75000"/>
@@ -967,9 +977,9 @@
                 </a:solidFill>
               </a:defRPr>
             </a:lvl3pPr>
-            <a:lvl4pPr marL="1371600" indent="0">
-              <a:buNone/>
-              <a:defRPr sz="1400">
+            <a:lvl4pPr marL="1028700" indent="0">
+              <a:buNone/>
+              <a:defRPr sz="1050">
                 <a:solidFill>
                   <a:schemeClr val="tx1">
                     <a:tint val="75000"/>
@@ -977,9 +987,9 @@
                 </a:solidFill>
               </a:defRPr>
             </a:lvl4pPr>
-            <a:lvl5pPr marL="1828800" indent="0">
-              <a:buNone/>
-              <a:defRPr sz="1400">
+            <a:lvl5pPr marL="1371600" indent="0">
+              <a:buNone/>
+              <a:defRPr sz="1050">
                 <a:solidFill>
                   <a:schemeClr val="tx1">
                     <a:tint val="75000"/>
@@ -987,9 +997,9 @@
                 </a:solidFill>
               </a:defRPr>
             </a:lvl5pPr>
-            <a:lvl6pPr marL="2286000" indent="0">
-              <a:buNone/>
-              <a:defRPr sz="1400">
+            <a:lvl6pPr marL="1714500" indent="0">
+              <a:buNone/>
+              <a:defRPr sz="1050">
                 <a:solidFill>
                   <a:schemeClr val="tx1">
                     <a:tint val="75000"/>
@@ -997,9 +1007,9 @@
                 </a:solidFill>
               </a:defRPr>
             </a:lvl6pPr>
-            <a:lvl7pPr marL="2743200" indent="0">
-              <a:buNone/>
-              <a:defRPr sz="1400">
+            <a:lvl7pPr marL="2057400" indent="0">
+              <a:buNone/>
+              <a:defRPr sz="1050">
                 <a:solidFill>
                   <a:schemeClr val="tx1">
                     <a:tint val="75000"/>
@@ -1007,9 +1017,9 @@
                 </a:solidFill>
               </a:defRPr>
             </a:lvl7pPr>
-            <a:lvl8pPr marL="3200400" indent="0">
-              <a:buNone/>
-              <a:defRPr sz="1400">
+            <a:lvl8pPr marL="2400300" indent="0">
+              <a:buNone/>
+              <a:defRPr sz="1050">
                 <a:solidFill>
                   <a:schemeClr val="tx1">
                     <a:tint val="75000"/>
@@ -1017,9 +1027,9 @@
                 </a:solidFill>
               </a:defRPr>
             </a:lvl8pPr>
-            <a:lvl9pPr marL="3657600" indent="0">
-              <a:buNone/>
-              <a:defRPr sz="1400">
+            <a:lvl9pPr marL="2743200" indent="0">
+              <a:buNone/>
+              <a:defRPr sz="1050">
                 <a:solidFill>
                   <a:schemeClr val="tx1">
                     <a:tint val="75000"/>
@@ -1031,30 +1041,30 @@
           <a:p>
             <a:pPr lvl="0"/>
             <a:r>
+              <a:rPr lang="en-US"/>
+              <a:t>Click to edit Master text styles</a:t>
+            </a:r>
+          </a:p>
+        </p:txBody>
+      </p:sp>
+      <p:sp>
+        <p:nvSpPr>
+          <p:cNvPr id="4" name="Date Placeholder 3"/>
+          <p:cNvSpPr>
+            <a:spLocks noGrp="1"/>
+          </p:cNvSpPr>
+          <p:nvPr>
+            <p:ph type="dt" sz="half" idx="10"/>
+          </p:nvPr>
+        </p:nvSpPr>
+        <p:spPr/>
+        <p:txBody>
+          <a:bodyPr/>
+          <a:lstStyle/>
+          <a:p>
+            <a:fld id="{241EB5C9-1307-BA42-ABA2-0BC069CD8E7F}" type="datetimeFigureOut">
               <a:rPr lang="en-US" smtClean="0"/>
-              <a:t>Click to edit Master text styles</a:t>
-            </a:r>
-          </a:p>
-        </p:txBody>
-      </p:sp>
-      <p:sp>
-        <p:nvSpPr>
-          <p:cNvPr id="4" name="Date Placeholder 3"/>
-          <p:cNvSpPr>
-            <a:spLocks noGrp="1"/>
-          </p:cNvSpPr>
-          <p:nvPr>
-            <p:ph type="dt" sz="half" idx="10"/>
-          </p:nvPr>
-        </p:nvSpPr>
-        <p:spPr/>
-        <p:txBody>
-          <a:bodyPr/>
-          <a:lstStyle/>
-          <a:p>
-            <a:fld id="{5BCAD085-E8A6-8845-BD4E-CB4CCA059FC4}" type="datetimeFigureOut">
-              <a:rPr lang="en-US" smtClean="0"/>
-              <a:t>1/27/13</a:t>
+              <a:t>1/2/22</a:t>
             </a:fld>
             <a:endParaRPr lang="en-US"/>
           </a:p>
@@ -1094,7 +1104,7 @@
           <a:bodyPr/>
           <a:lstStyle/>
           <a:p>
-            <a:fld id="{C1FF6DA9-008F-8B48-92A6-B652298478BF}" type="slidenum">
+            <a:fld id="{C5EF2332-01BF-834F-8236-50238282D533}" type="slidenum">
               <a:rPr lang="en-US" smtClean="0"/>
               <a:t>‹#›</a:t>
             </a:fld>
@@ -1105,7 +1115,7 @@
     </p:spTree>
     <p:extLst>
       <p:ext uri="{BB962C8B-B14F-4D97-AF65-F5344CB8AC3E}">
-        <p14:creationId xmlns:p14="http://schemas.microsoft.com/office/powerpoint/2010/main" val="960648375"/>
+        <p14:creationId xmlns:p14="http://schemas.microsoft.com/office/powerpoint/2010/main" val="1073069076"/>
       </p:ext>
     </p:extLst>
   </p:cSld>
@@ -1148,10 +1158,9 @@
           <a:lstStyle/>
           <a:p>
             <a:r>
-              <a:rPr lang="en-US" smtClean="0"/>
+              <a:rPr lang="en-US"/>
               <a:t>Click to edit Master title style</a:t>
             </a:r>
-            <a:endParaRPr lang="en-US"/>
           </a:p>
         </p:txBody>
       </p:sp>
@@ -1167,76 +1176,75 @@
         </p:nvSpPr>
         <p:spPr>
           <a:xfrm>
-            <a:off x="457200" y="1600200"/>
-            <a:ext cx="4038600" cy="4525963"/>
+            <a:off x="457200" y="1200151"/>
+            <a:ext cx="4038600" cy="3394472"/>
           </a:xfrm>
         </p:spPr>
         <p:txBody>
           <a:bodyPr/>
           <a:lstStyle>
             <a:lvl1pPr>
-              <a:defRPr sz="2800"/>
+              <a:defRPr sz="2100"/>
             </a:lvl1pPr>
             <a:lvl2pPr>
-              <a:defRPr sz="2400"/>
+              <a:defRPr sz="1800"/>
             </a:lvl2pPr>
             <a:lvl3pPr>
-              <a:defRPr sz="2000"/>
+              <a:defRPr sz="1500"/>
             </a:lvl3pPr>
             <a:lvl4pPr>
-              <a:defRPr sz="1800"/>
+              <a:defRPr sz="1350"/>
             </a:lvl4pPr>
             <a:lvl5pPr>
-              <a:defRPr sz="1800"/>
+              <a:defRPr sz="1350"/>
             </a:lvl5pPr>
             <a:lvl6pPr>
-              <a:defRPr sz="1800"/>
+              <a:defRPr sz="1350"/>
             </a:lvl6pPr>
             <a:lvl7pPr>
-              <a:defRPr sz="1800"/>
+              <a:defRPr sz="1350"/>
             </a:lvl7pPr>
             <a:lvl8pPr>
-              <a:defRPr sz="1800"/>
+              <a:defRPr sz="1350"/>
             </a:lvl8pPr>
             <a:lvl9pPr>
-              <a:defRPr sz="1800"/>
+              <a:defRPr sz="1350"/>
             </a:lvl9pPr>
           </a:lstStyle>
           <a:p>
             <a:pPr lvl="0"/>
             <a:r>
-              <a:rPr lang="en-US" smtClean="0"/>
+              <a:rPr lang="en-US"/>
               <a:t>Click to edit Master text styles</a:t>
             </a:r>
           </a:p>
           <a:p>
             <a:pPr lvl="1"/>
             <a:r>
-              <a:rPr lang="en-US" smtClean="0"/>
+              <a:rPr lang="en-US"/>
               <a:t>Second level</a:t>
             </a:r>
           </a:p>
           <a:p>
             <a:pPr lvl="2"/>
             <a:r>
-              <a:rPr lang="en-US" smtClean="0"/>
+              <a:rPr lang="en-US"/>
               <a:t>Third level</a:t>
             </a:r>
           </a:p>
           <a:p>
             <a:pPr lvl="3"/>
             <a:r>
-              <a:rPr lang="en-US" smtClean="0"/>
+              <a:rPr lang="en-US"/>
               <a:t>Fourth level</a:t>
             </a:r>
           </a:p>
           <a:p>
             <a:pPr lvl="4"/>
             <a:r>
-              <a:rPr lang="en-US" smtClean="0"/>
+              <a:rPr lang="en-US"/>
               <a:t>Fifth level</a:t>
             </a:r>
-            <a:endParaRPr lang="en-US"/>
           </a:p>
         </p:txBody>
       </p:sp>
@@ -1252,97 +1260,96 @@
         </p:nvSpPr>
         <p:spPr>
           <a:xfrm>
-            <a:off x="4648200" y="1600200"/>
-            <a:ext cx="4038600" cy="4525963"/>
+            <a:off x="4648200" y="1200151"/>
+            <a:ext cx="4038600" cy="3394472"/>
           </a:xfrm>
         </p:spPr>
         <p:txBody>
           <a:bodyPr/>
           <a:lstStyle>
             <a:lvl1pPr>
-              <a:defRPr sz="2800"/>
+              <a:defRPr sz="2100"/>
             </a:lvl1pPr>
             <a:lvl2pPr>
-              <a:defRPr sz="2400"/>
+              <a:defRPr sz="1800"/>
             </a:lvl2pPr>
             <a:lvl3pPr>
-              <a:defRPr sz="2000"/>
+              <a:defRPr sz="1500"/>
             </a:lvl3pPr>
             <a:lvl4pPr>
-              <a:defRPr sz="1800"/>
+              <a:defRPr sz="1350"/>
             </a:lvl4pPr>
             <a:lvl5pPr>
-              <a:defRPr sz="1800"/>
+              <a:defRPr sz="1350"/>
             </a:lvl5pPr>
             <a:lvl6pPr>
-              <a:defRPr sz="1800"/>
+              <a:defRPr sz="1350"/>
             </a:lvl6pPr>
             <a:lvl7pPr>
-              <a:defRPr sz="1800"/>
+              <a:defRPr sz="1350"/>
             </a:lvl7pPr>
             <a:lvl8pPr>
-              <a:defRPr sz="1800"/>
+              <a:defRPr sz="1350"/>
             </a:lvl8pPr>
             <a:lvl9pPr>
-              <a:defRPr sz="1800"/>
+              <a:defRPr sz="1350"/>
             </a:lvl9pPr>
           </a:lstStyle>
           <a:p>
             <a:pPr lvl="0"/>
             <a:r>
+              <a:rPr lang="en-US"/>
+              <a:t>Click to edit Master text styles</a:t>
+            </a:r>
+          </a:p>
+          <a:p>
+            <a:pPr lvl="1"/>
+            <a:r>
+              <a:rPr lang="en-US"/>
+              <a:t>Second level</a:t>
+            </a:r>
+          </a:p>
+          <a:p>
+            <a:pPr lvl="2"/>
+            <a:r>
+              <a:rPr lang="en-US"/>
+              <a:t>Third level</a:t>
+            </a:r>
+          </a:p>
+          <a:p>
+            <a:pPr lvl="3"/>
+            <a:r>
+              <a:rPr lang="en-US"/>
+              <a:t>Fourth level</a:t>
+            </a:r>
+          </a:p>
+          <a:p>
+            <a:pPr lvl="4"/>
+            <a:r>
+              <a:rPr lang="en-US"/>
+              <a:t>Fifth level</a:t>
+            </a:r>
+          </a:p>
+        </p:txBody>
+      </p:sp>
+      <p:sp>
+        <p:nvSpPr>
+          <p:cNvPr id="5" name="Date Placeholder 4"/>
+          <p:cNvSpPr>
+            <a:spLocks noGrp="1"/>
+          </p:cNvSpPr>
+          <p:nvPr>
+            <p:ph type="dt" sz="half" idx="10"/>
+          </p:nvPr>
+        </p:nvSpPr>
+        <p:spPr/>
+        <p:txBody>
+          <a:bodyPr/>
+          <a:lstStyle/>
+          <a:p>
+            <a:fld id="{241EB5C9-1307-BA42-ABA2-0BC069CD8E7F}" type="datetimeFigureOut">
               <a:rPr lang="en-US" smtClean="0"/>
-              <a:t>Click to edit Master text styles</a:t>
-            </a:r>
-          </a:p>
-          <a:p>
-            <a:pPr lvl="1"/>
-            <a:r>
-              <a:rPr lang="en-US" smtClean="0"/>
-              <a:t>Second level</a:t>
-            </a:r>
-          </a:p>
-          <a:p>
-            <a:pPr lvl="2"/>
-            <a:r>
-              <a:rPr lang="en-US" smtClean="0"/>
-              <a:t>Third level</a:t>
-            </a:r>
-          </a:p>
-          <a:p>
-            <a:pPr lvl="3"/>
-            <a:r>
-              <a:rPr lang="en-US" smtClean="0"/>
-              <a:t>Fourth level</a:t>
-            </a:r>
-          </a:p>
-          <a:p>
-            <a:pPr lvl="4"/>
-            <a:r>
-              <a:rPr lang="en-US" smtClean="0"/>
-              <a:t>Fifth level</a:t>
-            </a:r>
-            <a:endParaRPr lang="en-US"/>
-          </a:p>
-        </p:txBody>
-      </p:sp>
-      <p:sp>
-        <p:nvSpPr>
-          <p:cNvPr id="5" name="Date Placeholder 4"/>
-          <p:cNvSpPr>
-            <a:spLocks noGrp="1"/>
-          </p:cNvSpPr>
-          <p:nvPr>
-            <p:ph type="dt" sz="half" idx="10"/>
-          </p:nvPr>
-        </p:nvSpPr>
-        <p:spPr/>
-        <p:txBody>
-          <a:bodyPr/>
-          <a:lstStyle/>
-          <a:p>
-            <a:fld id="{5BCAD085-E8A6-8845-BD4E-CB4CCA059FC4}" type="datetimeFigureOut">
-              <a:rPr lang="en-US" smtClean="0"/>
-              <a:t>1/27/13</a:t>
+              <a:t>1/2/22</a:t>
             </a:fld>
             <a:endParaRPr lang="en-US"/>
           </a:p>
@@ -1382,7 +1389,7 @@
           <a:bodyPr/>
           <a:lstStyle/>
           <a:p>
-            <a:fld id="{C1FF6DA9-008F-8B48-92A6-B652298478BF}" type="slidenum">
+            <a:fld id="{C5EF2332-01BF-834F-8236-50238282D533}" type="slidenum">
               <a:rPr lang="en-US" smtClean="0"/>
               <a:t>‹#›</a:t>
             </a:fld>
@@ -1393,7 +1400,7 @@
     </p:spTree>
     <p:extLst>
       <p:ext uri="{BB962C8B-B14F-4D97-AF65-F5344CB8AC3E}">
-        <p14:creationId xmlns:p14="http://schemas.microsoft.com/office/powerpoint/2010/main" val="2782244947"/>
+        <p14:creationId xmlns:p14="http://schemas.microsoft.com/office/powerpoint/2010/main" val="2619886245"/>
       </p:ext>
     </p:extLst>
   </p:cSld>
@@ -1440,10 +1447,9 @@
           </a:lstStyle>
           <a:p>
             <a:r>
-              <a:rPr lang="en-US" smtClean="0"/>
+              <a:rPr lang="en-US"/>
               <a:t>Click to edit Master title style</a:t>
             </a:r>
-            <a:endParaRPr lang="en-US"/>
           </a:p>
         </p:txBody>
       </p:sp>
@@ -1459,8 +1465,8 @@
         </p:nvSpPr>
         <p:spPr>
           <a:xfrm>
-            <a:off x="457200" y="1535113"/>
-            <a:ext cx="4040188" cy="639762"/>
+            <a:off x="457200" y="1151335"/>
+            <a:ext cx="4040188" cy="479822"/>
           </a:xfrm>
         </p:spPr>
         <p:txBody>
@@ -1468,45 +1474,45 @@
           <a:lstStyle>
             <a:lvl1pPr marL="0" indent="0">
               <a:buNone/>
-              <a:defRPr sz="2400" b="1"/>
+              <a:defRPr sz="1800" b="1"/>
             </a:lvl1pPr>
-            <a:lvl2pPr marL="457200" indent="0">
-              <a:buNone/>
-              <a:defRPr sz="2000" b="1"/>
+            <a:lvl2pPr marL="342900" indent="0">
+              <a:buNone/>
+              <a:defRPr sz="1500" b="1"/>
             </a:lvl2pPr>
-            <a:lvl3pPr marL="914400" indent="0">
-              <a:buNone/>
-              <a:defRPr sz="1800" b="1"/>
+            <a:lvl3pPr marL="685800" indent="0">
+              <a:buNone/>
+              <a:defRPr sz="1350" b="1"/>
             </a:lvl3pPr>
-            <a:lvl4pPr marL="1371600" indent="0">
-              <a:buNone/>
-              <a:defRPr sz="1600" b="1"/>
+            <a:lvl4pPr marL="1028700" indent="0">
+              <a:buNone/>
+              <a:defRPr sz="1200" b="1"/>
             </a:lvl4pPr>
-            <a:lvl5pPr marL="1828800" indent="0">
-              <a:buNone/>
-              <a:defRPr sz="1600" b="1"/>
+            <a:lvl5pPr marL="1371600" indent="0">
+              <a:buNone/>
+              <a:defRPr sz="1200" b="1"/>
             </a:lvl5pPr>
-            <a:lvl6pPr marL="2286000" indent="0">
-              <a:buNone/>
-              <a:defRPr sz="1600" b="1"/>
+            <a:lvl6pPr marL="1714500" indent="0">
+              <a:buNone/>
+              <a:defRPr sz="1200" b="1"/>
             </a:lvl6pPr>
-            <a:lvl7pPr marL="2743200" indent="0">
-              <a:buNone/>
-              <a:defRPr sz="1600" b="1"/>
+            <a:lvl7pPr marL="2057400" indent="0">
+              <a:buNone/>
+              <a:defRPr sz="1200" b="1"/>
             </a:lvl7pPr>
-            <a:lvl8pPr marL="3200400" indent="0">
-              <a:buNone/>
-              <a:defRPr sz="1600" b="1"/>
+            <a:lvl8pPr marL="2400300" indent="0">
+              <a:buNone/>
+              <a:defRPr sz="1200" b="1"/>
             </a:lvl8pPr>
-            <a:lvl9pPr marL="3657600" indent="0">
-              <a:buNone/>
-              <a:defRPr sz="1600" b="1"/>
+            <a:lvl9pPr marL="2743200" indent="0">
+              <a:buNone/>
+              <a:defRPr sz="1200" b="1"/>
             </a:lvl9pPr>
           </a:lstStyle>
           <a:p>
             <a:pPr lvl="0"/>
             <a:r>
-              <a:rPr lang="en-US" smtClean="0"/>
+              <a:rPr lang="en-US"/>
               <a:t>Click to edit Master text styles</a:t>
             </a:r>
           </a:p>
@@ -1524,76 +1530,75 @@
         </p:nvSpPr>
         <p:spPr>
           <a:xfrm>
-            <a:off x="457200" y="2174875"/>
-            <a:ext cx="4040188" cy="3951288"/>
+            <a:off x="457200" y="1631156"/>
+            <a:ext cx="4040188" cy="2963466"/>
           </a:xfrm>
         </p:spPr>
         <p:txBody>
           <a:bodyPr/>
           <a:lstStyle>
             <a:lvl1pPr>
-              <a:defRPr sz="2400"/>
+              <a:defRPr sz="1800"/>
             </a:lvl1pPr>
             <a:lvl2pPr>
-              <a:defRPr sz="2000"/>
+              <a:defRPr sz="1500"/>
             </a:lvl2pPr>
             <a:lvl3pPr>
-              <a:defRPr sz="1800"/>
+              <a:defRPr sz="1350"/>
             </a:lvl3pPr>
             <a:lvl4pPr>
-              <a:defRPr sz="1600"/>
+              <a:defRPr sz="1200"/>
             </a:lvl4pPr>
             <a:lvl5pPr>
-              <a:defRPr sz="1600"/>
+              <a:defRPr sz="1200"/>
             </a:lvl5pPr>
             <a:lvl6pPr>
-              <a:defRPr sz="1600"/>
+              <a:defRPr sz="1200"/>
             </a:lvl6pPr>
             <a:lvl7pPr>
-              <a:defRPr sz="1600"/>
+              <a:defRPr sz="1200"/>
             </a:lvl7pPr>
             <a:lvl8pPr>
-              <a:defRPr sz="1600"/>
+              <a:defRPr sz="1200"/>
             </a:lvl8pPr>
             <a:lvl9pPr>
-              <a:defRPr sz="1600"/>
+              <a:defRPr sz="1200"/>
             </a:lvl9pPr>
           </a:lstStyle>
           <a:p>
             <a:pPr lvl="0"/>
             <a:r>
-              <a:rPr lang="en-US" smtClean="0"/>
+              <a:rPr lang="en-US"/>
               <a:t>Click to edit Master text styles</a:t>
             </a:r>
           </a:p>
           <a:p>
             <a:pPr lvl="1"/>
             <a:r>
-              <a:rPr lang="en-US" smtClean="0"/>
+              <a:rPr lang="en-US"/>
               <a:t>Second level</a:t>
             </a:r>
           </a:p>
           <a:p>
             <a:pPr lvl="2"/>
             <a:r>
-              <a:rPr lang="en-US" smtClean="0"/>
+              <a:rPr lang="en-US"/>
               <a:t>Third level</a:t>
             </a:r>
           </a:p>
           <a:p>
             <a:pPr lvl="3"/>
             <a:r>
-              <a:rPr lang="en-US" smtClean="0"/>
+              <a:rPr lang="en-US"/>
               <a:t>Fourth level</a:t>
             </a:r>
           </a:p>
           <a:p>
             <a:pPr lvl="4"/>
             <a:r>
-              <a:rPr lang="en-US" smtClean="0"/>
+              <a:rPr lang="en-US"/>
               <a:t>Fifth level</a:t>
             </a:r>
-            <a:endParaRPr lang="en-US"/>
           </a:p>
         </p:txBody>
       </p:sp>
@@ -1609,8 +1614,8 @@
         </p:nvSpPr>
         <p:spPr>
           <a:xfrm>
-            <a:off x="4645025" y="1535113"/>
-            <a:ext cx="4041775" cy="639762"/>
+            <a:off x="4645026" y="1151335"/>
+            <a:ext cx="4041775" cy="479822"/>
           </a:xfrm>
         </p:spPr>
         <p:txBody>
@@ -1618,45 +1623,45 @@
           <a:lstStyle>
             <a:lvl1pPr marL="0" indent="0">
               <a:buNone/>
-              <a:defRPr sz="2400" b="1"/>
+              <a:defRPr sz="1800" b="1"/>
             </a:lvl1pPr>
-            <a:lvl2pPr marL="457200" indent="0">
-              <a:buNone/>
-              <a:defRPr sz="2000" b="1"/>
+            <a:lvl2pPr marL="342900" indent="0">
+              <a:buNone/>
+              <a:defRPr sz="1500" b="1"/>
             </a:lvl2pPr>
-            <a:lvl3pPr marL="914400" indent="0">
-              <a:buNone/>
-              <a:defRPr sz="1800" b="1"/>
+            <a:lvl3pPr marL="685800" indent="0">
+              <a:buNone/>
+              <a:defRPr sz="1350" b="1"/>
             </a:lvl3pPr>
-            <a:lvl4pPr marL="1371600" indent="0">
-              <a:buNone/>
-              <a:defRPr sz="1600" b="1"/>
+            <a:lvl4pPr marL="1028700" indent="0">
+              <a:buNone/>
+              <a:defRPr sz="1200" b="1"/>
             </a:lvl4pPr>
-            <a:lvl5pPr marL="1828800" indent="0">
-              <a:buNone/>
-              <a:defRPr sz="1600" b="1"/>
+            <a:lvl5pPr marL="1371600" indent="0">
+              <a:buNone/>
+              <a:defRPr sz="1200" b="1"/>
             </a:lvl5pPr>
-            <a:lvl6pPr marL="2286000" indent="0">
-              <a:buNone/>
-              <a:defRPr sz="1600" b="1"/>
+            <a:lvl6pPr marL="1714500" indent="0">
+              <a:buNone/>
+              <a:defRPr sz="1200" b="1"/>
             </a:lvl6pPr>
-            <a:lvl7pPr marL="2743200" indent="0">
-              <a:buNone/>
-              <a:defRPr sz="1600" b="1"/>
+            <a:lvl7pPr marL="2057400" indent="0">
+              <a:buNone/>
+              <a:defRPr sz="1200" b="1"/>
             </a:lvl7pPr>
-            <a:lvl8pPr marL="3200400" indent="0">
-              <a:buNone/>
-              <a:defRPr sz="1600" b="1"/>
+            <a:lvl8pPr marL="2400300" indent="0">
+              <a:buNone/>
+              <a:defRPr sz="1200" b="1"/>
             </a:lvl8pPr>
-            <a:lvl9pPr marL="3657600" indent="0">
-              <a:buNone/>
-              <a:defRPr sz="1600" b="1"/>
+            <a:lvl9pPr marL="2743200" indent="0">
+              <a:buNone/>
+              <a:defRPr sz="1200" b="1"/>
             </a:lvl9pPr>
           </a:lstStyle>
           <a:p>
             <a:pPr lvl="0"/>
             <a:r>
-              <a:rPr lang="en-US" smtClean="0"/>
+              <a:rPr lang="en-US"/>
               <a:t>Click to edit Master text styles</a:t>
             </a:r>
           </a:p>
@@ -1674,97 +1679,96 @@
         </p:nvSpPr>
         <p:spPr>
           <a:xfrm>
-            <a:off x="4645025" y="2174875"/>
-            <a:ext cx="4041775" cy="3951288"/>
+            <a:off x="4645026" y="1631156"/>
+            <a:ext cx="4041775" cy="2963466"/>
           </a:xfrm>
         </p:spPr>
         <p:txBody>
           <a:bodyPr/>
           <a:lstStyle>
             <a:lvl1pPr>
-              <a:defRPr sz="2400"/>
+              <a:defRPr sz="1800"/>
             </a:lvl1pPr>
             <a:lvl2pPr>
-              <a:defRPr sz="2000"/>
+              <a:defRPr sz="1500"/>
             </a:lvl2pPr>
             <a:lvl3pPr>
-              <a:defRPr sz="1800"/>
+              <a:defRPr sz="1350"/>
             </a:lvl3pPr>
             <a:lvl4pPr>
-              <a:defRPr sz="1600"/>
+              <a:defRPr sz="1200"/>
             </a:lvl4pPr>
             <a:lvl5pPr>
-              <a:defRPr sz="1600"/>
+              <a:defRPr sz="1200"/>
             </a:lvl5pPr>
             <a:lvl6pPr>
-              <a:defRPr sz="1600"/>
+              <a:defRPr sz="1200"/>
             </a:lvl6pPr>
             <a:lvl7pPr>
-              <a:defRPr sz="1600"/>
+              <a:defRPr sz="1200"/>
             </a:lvl7pPr>
             <a:lvl8pPr>
-              <a:defRPr sz="1600"/>
+              <a:defRPr sz="1200"/>
             </a:lvl8pPr>
             <a:lvl9pPr>
-              <a:defRPr sz="1600"/>
+              <a:defRPr sz="1200"/>
             </a:lvl9pPr>
           </a:lstStyle>
           <a:p>
             <a:pPr lvl="0"/>
             <a:r>
+              <a:rPr lang="en-US"/>
+              <a:t>Click to edit Master text styles</a:t>
+            </a:r>
+          </a:p>
+          <a:p>
+            <a:pPr lvl="1"/>
+            <a:r>
+              <a:rPr lang="en-US"/>
+              <a:t>Second level</a:t>
+            </a:r>
+          </a:p>
+          <a:p>
+            <a:pPr lvl="2"/>
+            <a:r>
+              <a:rPr lang="en-US"/>
+              <a:t>Third level</a:t>
+            </a:r>
+          </a:p>
+          <a:p>
+            <a:pPr lvl="3"/>
+            <a:r>
+              <a:rPr lang="en-US"/>
+              <a:t>Fourth level</a:t>
+            </a:r>
+          </a:p>
+          <a:p>
+            <a:pPr lvl="4"/>
+            <a:r>
+              <a:rPr lang="en-US"/>
+              <a:t>Fifth level</a:t>
+            </a:r>
+          </a:p>
+        </p:txBody>
+      </p:sp>
+      <p:sp>
+        <p:nvSpPr>
+          <p:cNvPr id="7" name="Date Placeholder 6"/>
+          <p:cNvSpPr>
+            <a:spLocks noGrp="1"/>
+          </p:cNvSpPr>
+          <p:nvPr>
+            <p:ph type="dt" sz="half" idx="10"/>
+          </p:nvPr>
+        </p:nvSpPr>
+        <p:spPr/>
+        <p:txBody>
+          <a:bodyPr/>
+          <a:lstStyle/>
+          <a:p>
+            <a:fld id="{241EB5C9-1307-BA42-ABA2-0BC069CD8E7F}" type="datetimeFigureOut">
               <a:rPr lang="en-US" smtClean="0"/>
-              <a:t>Click to edit Master text styles</a:t>
-            </a:r>
-          </a:p>
-          <a:p>
-            <a:pPr lvl="1"/>
-            <a:r>
-              <a:rPr lang="en-US" smtClean="0"/>
-              <a:t>Second level</a:t>
-            </a:r>
-          </a:p>
-          <a:p>
-            <a:pPr lvl="2"/>
-            <a:r>
-              <a:rPr lang="en-US" smtClean="0"/>
-              <a:t>Third level</a:t>
-            </a:r>
-          </a:p>
-          <a:p>
-            <a:pPr lvl="3"/>
-            <a:r>
-              <a:rPr lang="en-US" smtClean="0"/>
-              <a:t>Fourth level</a:t>
-            </a:r>
-          </a:p>
-          <a:p>
-            <a:pPr lvl="4"/>
-            <a:r>
-              <a:rPr lang="en-US" smtClean="0"/>
-              <a:t>Fifth level</a:t>
-            </a:r>
-            <a:endParaRPr lang="en-US"/>
-          </a:p>
-        </p:txBody>
-      </p:sp>
-      <p:sp>
-        <p:nvSpPr>
-          <p:cNvPr id="7" name="Date Placeholder 6"/>
-          <p:cNvSpPr>
-            <a:spLocks noGrp="1"/>
-          </p:cNvSpPr>
-          <p:nvPr>
-            <p:ph type="dt" sz="half" idx="10"/>
-          </p:nvPr>
-        </p:nvSpPr>
-        <p:spPr/>
-        <p:txBody>
-          <a:bodyPr/>
-          <a:lstStyle/>
-          <a:p>
-            <a:fld id="{5BCAD085-E8A6-8845-BD4E-CB4CCA059FC4}" type="datetimeFigureOut">
-              <a:rPr lang="en-US" smtClean="0"/>
-              <a:t>1/27/13</a:t>
+              <a:t>1/2/22</a:t>
             </a:fld>
             <a:endParaRPr lang="en-US"/>
           </a:p>
@@ -1804,7 +1808,7 @@
           <a:bodyPr/>
           <a:lstStyle/>
           <a:p>
-            <a:fld id="{C1FF6DA9-008F-8B48-92A6-B652298478BF}" type="slidenum">
+            <a:fld id="{C5EF2332-01BF-834F-8236-50238282D533}" type="slidenum">
               <a:rPr lang="en-US" smtClean="0"/>
               <a:t>‹#›</a:t>
             </a:fld>
@@ -1815,7 +1819,7 @@
     </p:spTree>
     <p:extLst>
       <p:ext uri="{BB962C8B-B14F-4D97-AF65-F5344CB8AC3E}">
-        <p14:creationId xmlns:p14="http://schemas.microsoft.com/office/powerpoint/2010/main" val="990158736"/>
+        <p14:creationId xmlns:p14="http://schemas.microsoft.com/office/powerpoint/2010/main" val="2535793967"/>
       </p:ext>
     </p:extLst>
   </p:cSld>
@@ -1858,31 +1862,30 @@
           <a:lstStyle/>
           <a:p>
             <a:r>
+              <a:rPr lang="en-US"/>
+              <a:t>Click to edit Master title style</a:t>
+            </a:r>
+          </a:p>
+        </p:txBody>
+      </p:sp>
+      <p:sp>
+        <p:nvSpPr>
+          <p:cNvPr id="3" name="Date Placeholder 2"/>
+          <p:cNvSpPr>
+            <a:spLocks noGrp="1"/>
+          </p:cNvSpPr>
+          <p:nvPr>
+            <p:ph type="dt" sz="half" idx="10"/>
+          </p:nvPr>
+        </p:nvSpPr>
+        <p:spPr/>
+        <p:txBody>
+          <a:bodyPr/>
+          <a:lstStyle/>
+          <a:p>
+            <a:fld id="{241EB5C9-1307-BA42-ABA2-0BC069CD8E7F}" type="datetimeFigureOut">
               <a:rPr lang="en-US" smtClean="0"/>
-              <a:t>Click to edit Master title style</a:t>
-            </a:r>
-            <a:endParaRPr lang="en-US"/>
-          </a:p>
-        </p:txBody>
-      </p:sp>
-      <p:sp>
-        <p:nvSpPr>
-          <p:cNvPr id="3" name="Date Placeholder 2"/>
-          <p:cNvSpPr>
-            <a:spLocks noGrp="1"/>
-          </p:cNvSpPr>
-          <p:nvPr>
-            <p:ph type="dt" sz="half" idx="10"/>
-          </p:nvPr>
-        </p:nvSpPr>
-        <p:spPr/>
-        <p:txBody>
-          <a:bodyPr/>
-          <a:lstStyle/>
-          <a:p>
-            <a:fld id="{5BCAD085-E8A6-8845-BD4E-CB4CCA059FC4}" type="datetimeFigureOut">
-              <a:rPr lang="en-US" smtClean="0"/>
-              <a:t>1/27/13</a:t>
+              <a:t>1/2/22</a:t>
             </a:fld>
             <a:endParaRPr lang="en-US"/>
           </a:p>
@@ -1922,7 +1925,7 @@
           <a:bodyPr/>
           <a:lstStyle/>
           <a:p>
-            <a:fld id="{C1FF6DA9-008F-8B48-92A6-B652298478BF}" type="slidenum">
+            <a:fld id="{C5EF2332-01BF-834F-8236-50238282D533}" type="slidenum">
               <a:rPr lang="en-US" smtClean="0"/>
               <a:t>‹#›</a:t>
             </a:fld>
@@ -1933,7 +1936,7 @@
     </p:spTree>
     <p:extLst>
       <p:ext uri="{BB962C8B-B14F-4D97-AF65-F5344CB8AC3E}">
-        <p14:creationId xmlns:p14="http://schemas.microsoft.com/office/powerpoint/2010/main" val="727027711"/>
+        <p14:creationId xmlns:p14="http://schemas.microsoft.com/office/powerpoint/2010/main" val="3472721253"/>
       </p:ext>
     </p:extLst>
   </p:cSld>
@@ -1975,9 +1978,9 @@
           <a:bodyPr/>
           <a:lstStyle/>
           <a:p>
-            <a:fld id="{5BCAD085-E8A6-8845-BD4E-CB4CCA059FC4}" type="datetimeFigureOut">
+            <a:fld id="{241EB5C9-1307-BA42-ABA2-0BC069CD8E7F}" type="datetimeFigureOut">
               <a:rPr lang="en-US" smtClean="0"/>
-              <a:t>1/27/13</a:t>
+              <a:t>1/2/22</a:t>
             </a:fld>
             <a:endParaRPr lang="en-US"/>
           </a:p>
@@ -2017,7 +2020,7 @@
           <a:bodyPr/>
           <a:lstStyle/>
           <a:p>
-            <a:fld id="{C1FF6DA9-008F-8B48-92A6-B652298478BF}" type="slidenum">
+            <a:fld id="{C5EF2332-01BF-834F-8236-50238282D533}" type="slidenum">
               <a:rPr lang="en-US" smtClean="0"/>
               <a:t>‹#›</a:t>
             </a:fld>
@@ -2028,7 +2031,7 @@
     </p:spTree>
     <p:extLst>
       <p:ext uri="{BB962C8B-B14F-4D97-AF65-F5344CB8AC3E}">
-        <p14:creationId xmlns:p14="http://schemas.microsoft.com/office/powerpoint/2010/main" val="1212999818"/>
+        <p14:creationId xmlns:p14="http://schemas.microsoft.com/office/powerpoint/2010/main" val="2130901097"/>
       </p:ext>
     </p:extLst>
   </p:cSld>
@@ -2067,23 +2070,22 @@
         </p:nvSpPr>
         <p:spPr>
           <a:xfrm>
-            <a:off x="457200" y="273050"/>
-            <a:ext cx="3008313" cy="1162050"/>
+            <a:off x="457201" y="204787"/>
+            <a:ext cx="3008313" cy="871538"/>
           </a:xfrm>
         </p:spPr>
         <p:txBody>
           <a:bodyPr anchor="b"/>
           <a:lstStyle>
             <a:lvl1pPr algn="l">
-              <a:defRPr sz="2000" b="1"/>
+              <a:defRPr sz="1500" b="1"/>
             </a:lvl1pPr>
           </a:lstStyle>
           <a:p>
             <a:r>
-              <a:rPr lang="en-US" smtClean="0"/>
+              <a:rPr lang="en-US"/>
               <a:t>Click to edit Master title style</a:t>
             </a:r>
-            <a:endParaRPr lang="en-US"/>
           </a:p>
         </p:txBody>
       </p:sp>
@@ -2099,76 +2101,75 @@
         </p:nvSpPr>
         <p:spPr>
           <a:xfrm>
-            <a:off x="3575050" y="273050"/>
-            <a:ext cx="5111750" cy="5853113"/>
+            <a:off x="3575050" y="204788"/>
+            <a:ext cx="5111750" cy="4389835"/>
           </a:xfrm>
         </p:spPr>
         <p:txBody>
           <a:bodyPr/>
           <a:lstStyle>
             <a:lvl1pPr>
-              <a:defRPr sz="3200"/>
+              <a:defRPr sz="2400"/>
             </a:lvl1pPr>
             <a:lvl2pPr>
-              <a:defRPr sz="2800"/>
+              <a:defRPr sz="2100"/>
             </a:lvl2pPr>
             <a:lvl3pPr>
-              <a:defRPr sz="2400"/>
+              <a:defRPr sz="1800"/>
             </a:lvl3pPr>
             <a:lvl4pPr>
-              <a:defRPr sz="2000"/>
+              <a:defRPr sz="1500"/>
             </a:lvl4pPr>
             <a:lvl5pPr>
-              <a:defRPr sz="2000"/>
+              <a:defRPr sz="1500"/>
             </a:lvl5pPr>
             <a:lvl6pPr>
-              <a:defRPr sz="2000"/>
+              <a:defRPr sz="1500"/>
             </a:lvl6pPr>
             <a:lvl7pPr>
-              <a:defRPr sz="2000"/>
+              <a:defRPr sz="1500"/>
             </a:lvl7pPr>
             <a:lvl8pPr>
-              <a:defRPr sz="2000"/>
+              <a:defRPr sz="1500"/>
             </a:lvl8pPr>
             <a:lvl9pPr>
-              <a:defRPr sz="2000"/>
+              <a:defRPr sz="1500"/>
             </a:lvl9pPr>
           </a:lstStyle>
           <a:p>
             <a:pPr lvl="0"/>
             <a:r>
-              <a:rPr lang="en-US" smtClean="0"/>
+              <a:rPr lang="en-US"/>
               <a:t>Click to edit Master text styles</a:t>
             </a:r>
           </a:p>
           <a:p>
             <a:pPr lvl="1"/>
             <a:r>
-              <a:rPr lang="en-US" smtClean="0"/>
+              <a:rPr lang="en-US"/>
               <a:t>Second level</a:t>
             </a:r>
           </a:p>
           <a:p>
             <a:pPr lvl="2"/>
             <a:r>
-              <a:rPr lang="en-US" smtClean="0"/>
+              <a:rPr lang="en-US"/>
               <a:t>Third level</a:t>
             </a:r>
           </a:p>
           <a:p>
             <a:pPr lvl="3"/>
             <a:r>
-              <a:rPr lang="en-US" smtClean="0"/>
+              <a:rPr lang="en-US"/>
               <a:t>Fourth level</a:t>
             </a:r>
           </a:p>
           <a:p>
             <a:pPr lvl="4"/>
             <a:r>
-              <a:rPr lang="en-US" smtClean="0"/>
+              <a:rPr lang="en-US"/>
               <a:t>Fifth level</a:t>
             </a:r>
-            <a:endParaRPr lang="en-US"/>
           </a:p>
         </p:txBody>
       </p:sp>
@@ -2184,8 +2185,8 @@
         </p:nvSpPr>
         <p:spPr>
           <a:xfrm>
-            <a:off x="457200" y="1435100"/>
-            <a:ext cx="3008313" cy="4691063"/>
+            <a:off x="457201" y="1076326"/>
+            <a:ext cx="3008313" cy="3518297"/>
           </a:xfrm>
         </p:spPr>
         <p:txBody>
@@ -2193,68 +2194,68 @@
           <a:lstStyle>
             <a:lvl1pPr marL="0" indent="0">
               <a:buNone/>
-              <a:defRPr sz="1400"/>
+              <a:defRPr sz="1050"/>
             </a:lvl1pPr>
-            <a:lvl2pPr marL="457200" indent="0">
-              <a:buNone/>
-              <a:defRPr sz="1200"/>
+            <a:lvl2pPr marL="342900" indent="0">
+              <a:buNone/>
+              <a:defRPr sz="900"/>
             </a:lvl2pPr>
-            <a:lvl3pPr marL="914400" indent="0">
-              <a:buNone/>
-              <a:defRPr sz="1000"/>
+            <a:lvl3pPr marL="685800" indent="0">
+              <a:buNone/>
+              <a:defRPr sz="750"/>
             </a:lvl3pPr>
-            <a:lvl4pPr marL="1371600" indent="0">
-              <a:buNone/>
-              <a:defRPr sz="900"/>
+            <a:lvl4pPr marL="1028700" indent="0">
+              <a:buNone/>
+              <a:defRPr sz="675"/>
             </a:lvl4pPr>
-            <a:lvl5pPr marL="1828800" indent="0">
-              <a:buNone/>
-              <a:defRPr sz="900"/>
+            <a:lvl5pPr marL="1371600" indent="0">
+              <a:buNone/>
+              <a:defRPr sz="675"/>
             </a:lvl5pPr>
-            <a:lvl6pPr marL="2286000" indent="0">
-              <a:buNone/>
-              <a:defRPr sz="900"/>
+            <a:lvl6pPr marL="1714500" indent="0">
+              <a:buNone/>
+              <a:defRPr sz="675"/>
             </a:lvl6pPr>
-            <a:lvl7pPr marL="2743200" indent="0">
-              <a:buNone/>
-              <a:defRPr sz="900"/>
+            <a:lvl7pPr marL="2057400" indent="0">
+              <a:buNone/>
+              <a:defRPr sz="675"/>
             </a:lvl7pPr>
-            <a:lvl8pPr marL="3200400" indent="0">
-              <a:buNone/>
-              <a:defRPr sz="900"/>
+            <a:lvl8pPr marL="2400300" indent="0">
+              <a:buNone/>
+              <a:defRPr sz="675"/>
             </a:lvl8pPr>
-            <a:lvl9pPr marL="3657600" indent="0">
-              <a:buNone/>
-              <a:defRPr sz="900"/>
+            <a:lvl9pPr marL="2743200" indent="0">
+              <a:buNone/>
+              <a:defRPr sz="675"/>
             </a:lvl9pPr>
           </a:lstStyle>
           <a:p>
             <a:pPr lvl="0"/>
             <a:r>
+              <a:rPr lang="en-US"/>
+              <a:t>Click to edit Master text styles</a:t>
+            </a:r>
+          </a:p>
+        </p:txBody>
+      </p:sp>
+      <p:sp>
+        <p:nvSpPr>
+          <p:cNvPr id="5" name="Date Placeholder 4"/>
+          <p:cNvSpPr>
+            <a:spLocks noGrp="1"/>
+          </p:cNvSpPr>
+          <p:nvPr>
+            <p:ph type="dt" sz="half" idx="10"/>
+          </p:nvPr>
+        </p:nvSpPr>
+        <p:spPr/>
+        <p:txBody>
+          <a:bodyPr/>
+          <a:lstStyle/>
+          <a:p>
+            <a:fld id="{241EB5C9-1307-BA42-ABA2-0BC069CD8E7F}" type="datetimeFigureOut">
               <a:rPr lang="en-US" smtClean="0"/>
-              <a:t>Click to edit Master text styles</a:t>
-            </a:r>
-          </a:p>
-        </p:txBody>
-      </p:sp>
-      <p:sp>
-        <p:nvSpPr>
-          <p:cNvPr id="5" name="Date Placeholder 4"/>
-          <p:cNvSpPr>
-            <a:spLocks noGrp="1"/>
-          </p:cNvSpPr>
-          <p:nvPr>
-            <p:ph type="dt" sz="half" idx="10"/>
-          </p:nvPr>
-        </p:nvSpPr>
-        <p:spPr/>
-        <p:txBody>
-          <a:bodyPr/>
-          <a:lstStyle/>
-          <a:p>
-            <a:fld id="{5BCAD085-E8A6-8845-BD4E-CB4CCA059FC4}" type="datetimeFigureOut">
-              <a:rPr lang="en-US" smtClean="0"/>
-              <a:t>1/27/13</a:t>
+              <a:t>1/2/22</a:t>
             </a:fld>
             <a:endParaRPr lang="en-US"/>
           </a:p>
@@ -2294,7 +2295,7 @@
           <a:bodyPr/>
           <a:lstStyle/>
           <a:p>
-            <a:fld id="{C1FF6DA9-008F-8B48-92A6-B652298478BF}" type="slidenum">
+            <a:fld id="{C5EF2332-01BF-834F-8236-50238282D533}" type="slidenum">
               <a:rPr lang="en-US" smtClean="0"/>
               <a:t>‹#›</a:t>
             </a:fld>
@@ -2305,7 +2306,7 @@
     </p:spTree>
     <p:extLst>
       <p:ext uri="{BB962C8B-B14F-4D97-AF65-F5344CB8AC3E}">
-        <p14:creationId xmlns:p14="http://schemas.microsoft.com/office/powerpoint/2010/main" val="1840726560"/>
+        <p14:creationId xmlns:p14="http://schemas.microsoft.com/office/powerpoint/2010/main" val="3540895647"/>
       </p:ext>
     </p:extLst>
   </p:cSld>
@@ -2344,23 +2345,22 @@
         </p:nvSpPr>
         <p:spPr>
           <a:xfrm>
-            <a:off x="1792288" y="4800600"/>
-            <a:ext cx="5486400" cy="566738"/>
+            <a:off x="1792288" y="3600450"/>
+            <a:ext cx="5486400" cy="425054"/>
           </a:xfrm>
         </p:spPr>
         <p:txBody>
           <a:bodyPr anchor="b"/>
           <a:lstStyle>
             <a:lvl1pPr algn="l">
-              <a:defRPr sz="2000" b="1"/>
+              <a:defRPr sz="1500" b="1"/>
             </a:lvl1pPr>
           </a:lstStyle>
           <a:p>
             <a:r>
-              <a:rPr lang="en-US" smtClean="0"/>
+              <a:rPr lang="en-US"/>
               <a:t>Click to edit Master title style</a:t>
             </a:r>
-            <a:endParaRPr lang="en-US"/>
           </a:p>
         </p:txBody>
       </p:sp>
@@ -2376,8 +2376,8 @@
         </p:nvSpPr>
         <p:spPr>
           <a:xfrm>
-            <a:off x="1792288" y="612775"/>
-            <a:ext cx="5486400" cy="4114800"/>
+            <a:off x="1792288" y="459581"/>
+            <a:ext cx="5486400" cy="3086100"/>
           </a:xfrm>
         </p:spPr>
         <p:txBody>
@@ -2385,39 +2385,39 @@
           <a:lstStyle>
             <a:lvl1pPr marL="0" indent="0">
               <a:buNone/>
-              <a:defRPr sz="3200"/>
+              <a:defRPr sz="2400"/>
             </a:lvl1pPr>
-            <a:lvl2pPr marL="457200" indent="0">
-              <a:buNone/>
-              <a:defRPr sz="2800"/>
+            <a:lvl2pPr marL="342900" indent="0">
+              <a:buNone/>
+              <a:defRPr sz="2100"/>
             </a:lvl2pPr>
-            <a:lvl3pPr marL="914400" indent="0">
-              <a:buNone/>
-              <a:defRPr sz="2400"/>
+            <a:lvl3pPr marL="685800" indent="0">
+              <a:buNone/>
+              <a:defRPr sz="1800"/>
             </a:lvl3pPr>
-            <a:lvl4pPr marL="1371600" indent="0">
-              <a:buNone/>
-              <a:defRPr sz="2000"/>
+            <a:lvl4pPr marL="1028700" indent="0">
+              <a:buNone/>
+              <a:defRPr sz="1500"/>
             </a:lvl4pPr>
-            <a:lvl5pPr marL="1828800" indent="0">
-              <a:buNone/>
-              <a:defRPr sz="2000"/>
+            <a:lvl5pPr marL="1371600" indent="0">
+              <a:buNone/>
+              <a:defRPr sz="1500"/>
             </a:lvl5pPr>
-            <a:lvl6pPr marL="2286000" indent="0">
-              <a:buNone/>
-              <a:defRPr sz="2000"/>
+            <a:lvl6pPr marL="1714500" indent="0">
+              <a:buNone/>
+              <a:defRPr sz="1500"/>
             </a:lvl6pPr>
-            <a:lvl7pPr marL="2743200" indent="0">
-              <a:buNone/>
-              <a:defRPr sz="2000"/>
+            <a:lvl7pPr marL="2057400" indent="0">
+              <a:buNone/>
+              <a:defRPr sz="1500"/>
             </a:lvl7pPr>
-            <a:lvl8pPr marL="3200400" indent="0">
-              <a:buNone/>
-              <a:defRPr sz="2000"/>
+            <a:lvl8pPr marL="2400300" indent="0">
+              <a:buNone/>
+              <a:defRPr sz="1500"/>
             </a:lvl8pPr>
-            <a:lvl9pPr marL="3657600" indent="0">
-              <a:buNone/>
-              <a:defRPr sz="2000"/>
+            <a:lvl9pPr marL="2743200" indent="0">
+              <a:buNone/>
+              <a:defRPr sz="1500"/>
             </a:lvl9pPr>
           </a:lstStyle>
           <a:p>
@@ -2437,8 +2437,8 @@
         </p:nvSpPr>
         <p:spPr>
           <a:xfrm>
-            <a:off x="1792288" y="5367338"/>
-            <a:ext cx="5486400" cy="804862"/>
+            <a:off x="1792288" y="4025503"/>
+            <a:ext cx="5486400" cy="603647"/>
           </a:xfrm>
         </p:spPr>
         <p:txBody>
@@ -2446,68 +2446,68 @@
           <a:lstStyle>
             <a:lvl1pPr marL="0" indent="0">
               <a:buNone/>
-              <a:defRPr sz="1400"/>
+              <a:defRPr sz="1050"/>
             </a:lvl1pPr>
-            <a:lvl2pPr marL="457200" indent="0">
-              <a:buNone/>
-              <a:defRPr sz="1200"/>
+            <a:lvl2pPr marL="342900" indent="0">
+              <a:buNone/>
+              <a:defRPr sz="900"/>
             </a:lvl2pPr>
-            <a:lvl3pPr marL="914400" indent="0">
-              <a:buNone/>
-              <a:defRPr sz="1000"/>
+            <a:lvl3pPr marL="685800" indent="0">
+              <a:buNone/>
+              <a:defRPr sz="750"/>
             </a:lvl3pPr>
-            <a:lvl4pPr marL="1371600" indent="0">
-              <a:buNone/>
-              <a:defRPr sz="900"/>
+            <a:lvl4pPr marL="1028700" indent="0">
+              <a:buNone/>
+              <a:defRPr sz="675"/>
             </a:lvl4pPr>
-            <a:lvl5pPr marL="1828800" indent="0">
-              <a:buNone/>
-              <a:defRPr sz="900"/>
+            <a:lvl5pPr marL="1371600" indent="0">
+              <a:buNone/>
+              <a:defRPr sz="675"/>
             </a:lvl5pPr>
-            <a:lvl6pPr marL="2286000" indent="0">
-              <a:buNone/>
-              <a:defRPr sz="900"/>
+            <a:lvl6pPr marL="1714500" indent="0">
+              <a:buNone/>
+              <a:defRPr sz="675"/>
             </a:lvl6pPr>
-            <a:lvl7pPr marL="2743200" indent="0">
-              <a:buNone/>
-              <a:defRPr sz="900"/>
+            <a:lvl7pPr marL="2057400" indent="0">
+              <a:buNone/>
+              <a:defRPr sz="675"/>
             </a:lvl7pPr>
-            <a:lvl8pPr marL="3200400" indent="0">
-              <a:buNone/>
-              <a:defRPr sz="900"/>
+            <a:lvl8pPr marL="2400300" indent="0">
+              <a:buNone/>
+              <a:defRPr sz="675"/>
             </a:lvl8pPr>
-            <a:lvl9pPr marL="3657600" indent="0">
-              <a:buNone/>
-              <a:defRPr sz="900"/>
+            <a:lvl9pPr marL="2743200" indent="0">
+              <a:buNone/>
+              <a:defRPr sz="675"/>
             </a:lvl9pPr>
           </a:lstStyle>
           <a:p>
             <a:pPr lvl="0"/>
             <a:r>
+              <a:rPr lang="en-US"/>
+              <a:t>Click to edit Master text styles</a:t>
+            </a:r>
+          </a:p>
+        </p:txBody>
+      </p:sp>
+      <p:sp>
+        <p:nvSpPr>
+          <p:cNvPr id="5" name="Date Placeholder 4"/>
+          <p:cNvSpPr>
+            <a:spLocks noGrp="1"/>
+          </p:cNvSpPr>
+          <p:nvPr>
+            <p:ph type="dt" sz="half" idx="10"/>
+          </p:nvPr>
+        </p:nvSpPr>
+        <p:spPr/>
+        <p:txBody>
+          <a:bodyPr/>
+          <a:lstStyle/>
+          <a:p>
+            <a:fld id="{241EB5C9-1307-BA42-ABA2-0BC069CD8E7F}" type="datetimeFigureOut">
               <a:rPr lang="en-US" smtClean="0"/>
-              <a:t>Click to edit Master text styles</a:t>
-            </a:r>
-          </a:p>
-        </p:txBody>
-      </p:sp>
-      <p:sp>
-        <p:nvSpPr>
-          <p:cNvPr id="5" name="Date Placeholder 4"/>
-          <p:cNvSpPr>
-            <a:spLocks noGrp="1"/>
-          </p:cNvSpPr>
-          <p:nvPr>
-            <p:ph type="dt" sz="half" idx="10"/>
-          </p:nvPr>
-        </p:nvSpPr>
-        <p:spPr/>
-        <p:txBody>
-          <a:bodyPr/>
-          <a:lstStyle/>
-          <a:p>
-            <a:fld id="{5BCAD085-E8A6-8845-BD4E-CB4CCA059FC4}" type="datetimeFigureOut">
-              <a:rPr lang="en-US" smtClean="0"/>
-              <a:t>1/27/13</a:t>
+              <a:t>1/2/22</a:t>
             </a:fld>
             <a:endParaRPr lang="en-US"/>
           </a:p>
@@ -2547,7 +2547,7 @@
           <a:bodyPr/>
           <a:lstStyle/>
           <a:p>
-            <a:fld id="{C1FF6DA9-008F-8B48-92A6-B652298478BF}" type="slidenum">
+            <a:fld id="{C5EF2332-01BF-834F-8236-50238282D533}" type="slidenum">
               <a:rPr lang="en-US" smtClean="0"/>
               <a:t>‹#›</a:t>
             </a:fld>
@@ -2558,7 +2558,7 @@
     </p:spTree>
     <p:extLst>
       <p:ext uri="{BB962C8B-B14F-4D97-AF65-F5344CB8AC3E}">
-        <p14:creationId xmlns:p14="http://schemas.microsoft.com/office/powerpoint/2010/main" val="3889236939"/>
+        <p14:creationId xmlns:p14="http://schemas.microsoft.com/office/powerpoint/2010/main" val="3566899855"/>
       </p:ext>
     </p:extLst>
   </p:cSld>
@@ -2569,7 +2569,7 @@
 </file>
 
 <file path=ppt/slideMasters/slideMaster1.xml><?xml version="1.0" encoding="utf-8"?>
-<p:sldMaster xmlns:a="http://schemas.openxmlformats.org/drawingml/2006/main" xmlns:r="http://schemas.openxmlformats.org/officeDocument/2006/relationships" xmlns:p="http://schemas.openxmlformats.org/presentationml/2006/main">
+<p:sldMaster xmlns:a="http://schemas.openxmlformats.org/drawingml/2006/main" xmlns:p="http://schemas.openxmlformats.org/presentationml/2006/main" xmlns:r="http://schemas.openxmlformats.org/officeDocument/2006/relationships">
   <p:cSld>
     <p:bg>
       <p:bgRef idx="1001">
@@ -2602,24 +2602,23 @@
         </p:nvSpPr>
         <p:spPr>
           <a:xfrm>
-            <a:off x="457200" y="274638"/>
-            <a:ext cx="8229600" cy="1143000"/>
+            <a:off x="457200" y="205979"/>
+            <a:ext cx="8229600" cy="857250"/>
           </a:xfrm>
           <a:prstGeom prst="rect">
             <a:avLst/>
           </a:prstGeom>
         </p:spPr>
         <p:txBody>
-          <a:bodyPr vert="horz" lIns="91440" tIns="45720" rIns="91440" bIns="45720" rtlCol="0" anchor="ctr">
+          <a:bodyPr anchor="ctr" bIns="45720" lIns="91440" rIns="91440" rtlCol="0" tIns="45720" vert="horz">
             <a:normAutofit/>
           </a:bodyPr>
           <a:lstStyle/>
           <a:p>
             <a:r>
-              <a:rPr lang="en-US" smtClean="0"/>
+              <a:rPr lang="en-US"/>
               <a:t>Click to edit Master title style</a:t>
             </a:r>
-            <a:endParaRPr lang="en-US"/>
           </a:p>
         </p:txBody>
       </p:sp>
@@ -2630,58 +2629,57 @@
             <a:spLocks noGrp="1"/>
           </p:cNvSpPr>
           <p:nvPr>
-            <p:ph type="body" idx="1"/>
+            <p:ph idx="1" type="body"/>
           </p:nvPr>
         </p:nvSpPr>
         <p:spPr>
           <a:xfrm>
-            <a:off x="457200" y="1600200"/>
-            <a:ext cx="8229600" cy="4525963"/>
+            <a:off x="457200" y="1200151"/>
+            <a:ext cx="8229600" cy="3394472"/>
           </a:xfrm>
           <a:prstGeom prst="rect">
             <a:avLst/>
           </a:prstGeom>
         </p:spPr>
         <p:txBody>
-          <a:bodyPr vert="horz" lIns="91440" tIns="45720" rIns="91440" bIns="45720" rtlCol="0">
+          <a:bodyPr bIns="45720" lIns="91440" rIns="91440" rtlCol="0" tIns="45720" vert="horz">
             <a:normAutofit/>
           </a:bodyPr>
           <a:lstStyle/>
           <a:p>
             <a:pPr lvl="0"/>
             <a:r>
-              <a:rPr lang="en-US" smtClean="0"/>
+              <a:rPr lang="en-US"/>
               <a:t>Click to edit Master text styles</a:t>
             </a:r>
           </a:p>
           <a:p>
             <a:pPr lvl="1"/>
             <a:r>
-              <a:rPr lang="en-US" smtClean="0"/>
+              <a:rPr lang="en-US"/>
               <a:t>Second level</a:t>
             </a:r>
           </a:p>
           <a:p>
             <a:pPr lvl="2"/>
             <a:r>
-              <a:rPr lang="en-US" smtClean="0"/>
+              <a:rPr lang="en-US"/>
               <a:t>Third level</a:t>
             </a:r>
           </a:p>
           <a:p>
             <a:pPr lvl="3"/>
             <a:r>
-              <a:rPr lang="en-US" smtClean="0"/>
+              <a:rPr lang="en-US"/>
               <a:t>Fourth level</a:t>
             </a:r>
           </a:p>
           <a:p>
             <a:pPr lvl="4"/>
             <a:r>
-              <a:rPr lang="en-US" smtClean="0"/>
+              <a:rPr lang="en-US"/>
               <a:t>Fifth level</a:t>
             </a:r>
-            <a:endParaRPr lang="en-US"/>
           </a:p>
         </p:txBody>
       </p:sp>
@@ -2692,23 +2690,23 @@
             <a:spLocks noGrp="1"/>
           </p:cNvSpPr>
           <p:nvPr>
-            <p:ph type="dt" sz="half" idx="2"/>
+            <p:ph idx="2" sz="half" type="dt"/>
           </p:nvPr>
         </p:nvSpPr>
         <p:spPr>
           <a:xfrm>
-            <a:off x="457200" y="6356350"/>
-            <a:ext cx="2133600" cy="365125"/>
+            <a:off x="457200" y="4767263"/>
+            <a:ext cx="2133600" cy="273844"/>
           </a:xfrm>
           <a:prstGeom prst="rect">
             <a:avLst/>
           </a:prstGeom>
         </p:spPr>
         <p:txBody>
-          <a:bodyPr vert="horz" lIns="91440" tIns="45720" rIns="91440" bIns="45720" rtlCol="0" anchor="ctr"/>
+          <a:bodyPr anchor="ctr" bIns="45720" lIns="91440" rIns="91440" rtlCol="0" tIns="45720" vert="horz"/>
           <a:lstStyle>
             <a:lvl1pPr algn="l">
-              <a:defRPr sz="1200">
+              <a:defRPr sz="900">
                 <a:solidFill>
                   <a:schemeClr val="tx1">
                     <a:tint val="75000"/>
@@ -2718,9 +2716,9 @@
             </a:lvl1pPr>
           </a:lstStyle>
           <a:p>
-            <a:fld id="{5BCAD085-E8A6-8845-BD4E-CB4CCA059FC4}" type="datetimeFigureOut">
+            <a:fld id="{241EB5C9-1307-BA42-ABA2-0BC069CD8E7F}" type="datetimeFigureOut">
               <a:rPr lang="en-US" smtClean="0"/>
-              <a:t>1/27/13</a:t>
+              <a:t>1/2/22</a:t>
             </a:fld>
             <a:endParaRPr lang="en-US"/>
           </a:p>
@@ -2733,23 +2731,23 @@
             <a:spLocks noGrp="1"/>
           </p:cNvSpPr>
           <p:nvPr>
-            <p:ph type="ftr" sz="quarter" idx="3"/>
+            <p:ph idx="3" sz="quarter" type="ftr"/>
           </p:nvPr>
         </p:nvSpPr>
         <p:spPr>
           <a:xfrm>
-            <a:off x="3124200" y="6356350"/>
-            <a:ext cx="2895600" cy="365125"/>
+            <a:off x="3124200" y="4767263"/>
+            <a:ext cx="2895600" cy="273844"/>
           </a:xfrm>
           <a:prstGeom prst="rect">
             <a:avLst/>
           </a:prstGeom>
         </p:spPr>
         <p:txBody>
-          <a:bodyPr vert="horz" lIns="91440" tIns="45720" rIns="91440" bIns="45720" rtlCol="0" anchor="ctr"/>
+          <a:bodyPr anchor="ctr" bIns="45720" lIns="91440" rIns="91440" rtlCol="0" tIns="45720" vert="horz"/>
           <a:lstStyle>
             <a:lvl1pPr algn="ctr">
-              <a:defRPr sz="1200">
+              <a:defRPr sz="900">
                 <a:solidFill>
                   <a:schemeClr val="tx1">
                     <a:tint val="75000"/>
@@ -2770,23 +2768,23 @@
             <a:spLocks noGrp="1"/>
           </p:cNvSpPr>
           <p:nvPr>
-            <p:ph type="sldNum" sz="quarter" idx="4"/>
+            <p:ph idx="4" sz="quarter" type="sldNum"/>
           </p:nvPr>
         </p:nvSpPr>
         <p:spPr>
           <a:xfrm>
-            <a:off x="6553200" y="6356350"/>
-            <a:ext cx="2133600" cy="365125"/>
+            <a:off x="6553200" y="4767263"/>
+            <a:ext cx="2133600" cy="273844"/>
           </a:xfrm>
           <a:prstGeom prst="rect">
             <a:avLst/>
           </a:prstGeom>
         </p:spPr>
         <p:txBody>
-          <a:bodyPr vert="horz" lIns="91440" tIns="45720" rIns="91440" bIns="45720" rtlCol="0" anchor="ctr"/>
+          <a:bodyPr anchor="ctr" bIns="45720" lIns="91440" rIns="91440" rtlCol="0" tIns="45720" vert="horz"/>
           <a:lstStyle>
             <a:lvl1pPr algn="r">
-              <a:defRPr sz="1200">
+              <a:defRPr sz="900">
                 <a:solidFill>
                   <a:schemeClr val="tx1">
                     <a:tint val="75000"/>
@@ -2796,7 +2794,7 @@
             </a:lvl1pPr>
           </a:lstStyle>
           <a:p>
-            <a:fld id="{C1FF6DA9-008F-8B48-92A6-B652298478BF}" type="slidenum">
+            <a:fld id="{C5EF2332-01BF-834F-8236-50238282D533}" type="slidenum">
               <a:rPr lang="en-US" smtClean="0"/>
               <a:t>‹#›</a:t>
             </a:fld>
@@ -2807,11 +2805,11 @@
     </p:spTree>
     <p:extLst>
       <p:ext uri="{BB962C8B-B14F-4D97-AF65-F5344CB8AC3E}">
-        <p14:creationId xmlns:p14="http://schemas.microsoft.com/office/powerpoint/2010/main" val="2209977519"/>
+        <p14:creationId xmlns:p14="http://schemas.microsoft.com/office/powerpoint/2010/main" val="3676200875"/>
       </p:ext>
     </p:extLst>
   </p:cSld>
-  <p:clrMap bg1="lt1" tx1="dk1" bg2="lt2" tx2="dk2" accent1="accent1" accent2="accent2" accent3="accent3" accent4="accent4" accent5="accent5" accent6="accent6" hlink="hlink" folHlink="folHlink"/>
+  <p:clrMap accent1="accent1" accent2="accent2" accent3="accent3" accent4="accent4" accent5="accent5" accent6="accent6" bg1="lt1" bg2="lt2" folHlink="folHlink" hlink="hlink" tx1="dk1" tx2="dk2"/>
   <p:sldLayoutIdLst>
     <p:sldLayoutId id="2147483649" r:id="rId1"/>
     <p:sldLayoutId id="2147483650" r:id="rId2"/>
@@ -2827,12 +2825,12 @@
   </p:sldLayoutIdLst>
   <p:txStyles>
     <p:titleStyle>
-      <a:lvl1pPr algn="ctr" defTabSz="457200" rtl="0" eaLnBrk="1" latinLnBrk="0" hangingPunct="1">
+      <a:lvl1pPr algn="ctr" defTabSz="342900" eaLnBrk="1" hangingPunct="1" latinLnBrk="0" rtl="0">
         <a:spcBef>
           <a:spcPct val="0"/>
         </a:spcBef>
         <a:buNone/>
-        <a:defRPr sz="4400" kern="1200">
+        <a:defRPr kern="1200" sz="3300">
           <a:solidFill>
             <a:schemeClr val="tx1"/>
           </a:solidFill>
@@ -2843,13 +2841,13 @@
       </a:lvl1pPr>
     </p:titleStyle>
     <p:bodyStyle>
-      <a:lvl1pPr marL="342900" indent="-342900" algn="l" defTabSz="457200" rtl="0" eaLnBrk="1" latinLnBrk="0" hangingPunct="1">
+      <a:lvl1pPr algn="l" defTabSz="342900" eaLnBrk="1" hangingPunct="1" indent="-342900" latinLnBrk="0" marL="342900" rtl="0">
         <a:spcBef>
           <a:spcPct val="20000"/>
         </a:spcBef>
         <a:buFont typeface="Arial"/>
         <a:buChar char="•"/>
-        <a:defRPr sz="3200" kern="1200">
+        <a:defRPr kern="1200" sz="2400">
           <a:solidFill>
             <a:schemeClr val="tx1"/>
           </a:solidFill>
@@ -2858,13 +2856,13 @@
           <a:cs typeface="+mn-cs"/>
         </a:defRPr>
       </a:lvl1pPr>
-      <a:lvl2pPr marL="742950" indent="-285750" algn="l" defTabSz="457200" rtl="0" eaLnBrk="1" latinLnBrk="0" hangingPunct="1">
+      <a:lvl2pPr algn="l" defTabSz="342900" eaLnBrk="1" hangingPunct="1" indent="-342900" latinLnBrk="0" marL="685800" rtl="0">
         <a:spcBef>
           <a:spcPct val="20000"/>
         </a:spcBef>
         <a:buFont typeface="Arial"/>
         <a:buChar char="–"/>
-        <a:defRPr sz="2800" kern="1200">
+        <a:defRPr kern="1200" sz="2100">
           <a:solidFill>
             <a:schemeClr val="tx1"/>
           </a:solidFill>
@@ -2873,13 +2871,13 @@
           <a:cs typeface="+mn-cs"/>
         </a:defRPr>
       </a:lvl2pPr>
-      <a:lvl3pPr marL="1143000" indent="-228600" algn="l" defTabSz="457200" rtl="0" eaLnBrk="1" latinLnBrk="0" hangingPunct="1">
+      <a:lvl3pPr algn="l" defTabSz="342900" eaLnBrk="1" hangingPunct="1" indent="-342900" latinLnBrk="0" marL="1028700" rtl="0">
         <a:spcBef>
           <a:spcPct val="20000"/>
         </a:spcBef>
         <a:buFont typeface="Arial"/>
         <a:buChar char="•"/>
-        <a:defRPr sz="2400" kern="1200">
+        <a:defRPr kern="1200" sz="1800">
           <a:solidFill>
             <a:schemeClr val="tx1"/>
           </a:solidFill>
@@ -2888,13 +2886,13 @@
           <a:cs typeface="+mn-cs"/>
         </a:defRPr>
       </a:lvl3pPr>
-      <a:lvl4pPr marL="1600200" indent="-228600" algn="l" defTabSz="457200" rtl="0" eaLnBrk="1" latinLnBrk="0" hangingPunct="1">
+      <a:lvl4pPr algn="l" defTabSz="342900" eaLnBrk="1" hangingPunct="1" indent="-342900" latinLnBrk="0" marL="1371600" rtl="0">
         <a:spcBef>
           <a:spcPct val="20000"/>
         </a:spcBef>
         <a:buFont typeface="Arial"/>
         <a:buChar char="–"/>
-        <a:defRPr sz="2000" kern="1200">
+        <a:defRPr kern="1200" sz="1500">
           <a:solidFill>
             <a:schemeClr val="tx1"/>
           </a:solidFill>
@@ -2903,13 +2901,13 @@
           <a:cs typeface="+mn-cs"/>
         </a:defRPr>
       </a:lvl4pPr>
-      <a:lvl5pPr marL="2057400" indent="-228600" algn="l" defTabSz="457200" rtl="0" eaLnBrk="1" latinLnBrk="0" hangingPunct="1">
+      <a:lvl5pPr algn="l" defTabSz="342900" eaLnBrk="1" hangingPunct="1" indent="-342900" latinLnBrk="0" marL="1714500" rtl="0">
         <a:spcBef>
           <a:spcPct val="20000"/>
         </a:spcBef>
         <a:buFont typeface="Arial"/>
         <a:buChar char="»"/>
-        <a:defRPr sz="2000" kern="1200">
+        <a:defRPr kern="1200" sz="1500">
           <a:solidFill>
             <a:schemeClr val="tx1"/>
           </a:solidFill>
@@ -2918,13 +2916,13 @@
           <a:cs typeface="+mn-cs"/>
         </a:defRPr>
       </a:lvl5pPr>
-      <a:lvl6pPr marL="2514600" indent="-228600" algn="l" defTabSz="457200" rtl="0" eaLnBrk="1" latinLnBrk="0" hangingPunct="1">
+      <a:lvl6pPr algn="l" defTabSz="342900" eaLnBrk="1" hangingPunct="1" indent="-342900" latinLnBrk="0" marL="2057400" rtl="0">
         <a:spcBef>
           <a:spcPct val="20000"/>
         </a:spcBef>
         <a:buFont typeface="Arial"/>
         <a:buChar char="•"/>
-        <a:defRPr sz="2000" kern="1200">
+        <a:defRPr kern="1200" sz="1500">
           <a:solidFill>
             <a:schemeClr val="tx1"/>
           </a:solidFill>
@@ -2933,13 +2931,13 @@
           <a:cs typeface="+mn-cs"/>
         </a:defRPr>
       </a:lvl6pPr>
-      <a:lvl7pPr marL="2971800" indent="-228600" algn="l" defTabSz="457200" rtl="0" eaLnBrk="1" latinLnBrk="0" hangingPunct="1">
+      <a:lvl7pPr algn="l" defTabSz="342900" eaLnBrk="1" hangingPunct="1" indent="-342900" latinLnBrk="0" marL="2400300" rtl="0">
         <a:spcBef>
           <a:spcPct val="20000"/>
         </a:spcBef>
         <a:buFont typeface="Arial"/>
         <a:buChar char="•"/>
-        <a:defRPr sz="2000" kern="1200">
+        <a:defRPr kern="1200" sz="1500">
           <a:solidFill>
             <a:schemeClr val="tx1"/>
           </a:solidFill>
@@ -2948,13 +2946,13 @@
           <a:cs typeface="+mn-cs"/>
         </a:defRPr>
       </a:lvl7pPr>
-      <a:lvl8pPr marL="3429000" indent="-228600" algn="l" defTabSz="457200" rtl="0" eaLnBrk="1" latinLnBrk="0" hangingPunct="1">
+      <a:lvl8pPr algn="l" defTabSz="342900" eaLnBrk="1" hangingPunct="1" indent="-342900" latinLnBrk="0" marL="2743200" rtl="0">
         <a:spcBef>
           <a:spcPct val="20000"/>
         </a:spcBef>
         <a:buFont typeface="Arial"/>
         <a:buChar char="•"/>
-        <a:defRPr sz="2000" kern="1200">
+        <a:defRPr kern="1200" sz="1500">
           <a:solidFill>
             <a:schemeClr val="tx1"/>
           </a:solidFill>
@@ -2963,13 +2961,13 @@
           <a:cs typeface="+mn-cs"/>
         </a:defRPr>
       </a:lvl8pPr>
-      <a:lvl9pPr marL="3886200" indent="-228600" algn="l" defTabSz="457200" rtl="0" eaLnBrk="1" latinLnBrk="0" hangingPunct="1">
+      <a:lvl9pPr algn="l" defTabSz="342900" eaLnBrk="1" hangingPunct="1" indent="-342900" latinLnBrk="0" marL="3086100" rtl="0">
         <a:spcBef>
           <a:spcPct val="20000"/>
         </a:spcBef>
         <a:buFont typeface="Arial"/>
         <a:buChar char="•"/>
-        <a:defRPr sz="2000" kern="1200">
+        <a:defRPr kern="1200" sz="1500">
           <a:solidFill>
             <a:schemeClr val="tx1"/>
           </a:solidFill>
@@ -2983,8 +2981,8 @@
       <a:defPPr>
         <a:defRPr lang="en-US"/>
       </a:defPPr>
-      <a:lvl1pPr marL="0" algn="l" defTabSz="457200" rtl="0" eaLnBrk="1" latinLnBrk="0" hangingPunct="1">
-        <a:defRPr sz="1800" kern="1200">
+      <a:lvl1pPr algn="l" defTabSz="342900" eaLnBrk="1" hangingPunct="1" latinLnBrk="0" marL="0" rtl="0">
+        <a:defRPr kern="1200" sz="1350">
           <a:solidFill>
             <a:schemeClr val="tx1"/>
           </a:solidFill>
@@ -2993,8 +2991,8 @@
           <a:cs typeface="+mn-cs"/>
         </a:defRPr>
       </a:lvl1pPr>
-      <a:lvl2pPr marL="457200" algn="l" defTabSz="457200" rtl="0" eaLnBrk="1" latinLnBrk="0" hangingPunct="1">
-        <a:defRPr sz="1800" kern="1200">
+      <a:lvl2pPr algn="l" defTabSz="342900" eaLnBrk="1" hangingPunct="1" latinLnBrk="0" marL="342900" rtl="0">
+        <a:defRPr kern="1200" sz="1350">
           <a:solidFill>
             <a:schemeClr val="tx1"/>
           </a:solidFill>
@@ -3003,8 +3001,8 @@
           <a:cs typeface="+mn-cs"/>
         </a:defRPr>
       </a:lvl2pPr>
-      <a:lvl3pPr marL="914400" algn="l" defTabSz="457200" rtl="0" eaLnBrk="1" latinLnBrk="0" hangingPunct="1">
-        <a:defRPr sz="1800" kern="1200">
+      <a:lvl3pPr algn="l" defTabSz="342900" eaLnBrk="1" hangingPunct="1" latinLnBrk="0" marL="685800" rtl="0">
+        <a:defRPr kern="1200" sz="1350">
           <a:solidFill>
             <a:schemeClr val="tx1"/>
           </a:solidFill>
@@ -3013,8 +3011,8 @@
           <a:cs typeface="+mn-cs"/>
         </a:defRPr>
       </a:lvl3pPr>
-      <a:lvl4pPr marL="1371600" algn="l" defTabSz="457200" rtl="0" eaLnBrk="1" latinLnBrk="0" hangingPunct="1">
-        <a:defRPr sz="1800" kern="1200">
+      <a:lvl4pPr algn="l" defTabSz="342900" eaLnBrk="1" hangingPunct="1" latinLnBrk="0" marL="1028700" rtl="0">
+        <a:defRPr kern="1200" sz="1350">
           <a:solidFill>
             <a:schemeClr val="tx1"/>
           </a:solidFill>
@@ -3023,8 +3021,8 @@
           <a:cs typeface="+mn-cs"/>
         </a:defRPr>
       </a:lvl4pPr>
-      <a:lvl5pPr marL="1828800" algn="l" defTabSz="457200" rtl="0" eaLnBrk="1" latinLnBrk="0" hangingPunct="1">
-        <a:defRPr sz="1800" kern="1200">
+      <a:lvl5pPr algn="l" defTabSz="342900" eaLnBrk="1" hangingPunct="1" latinLnBrk="0" marL="1371600" rtl="0">
+        <a:defRPr kern="1200" sz="1350">
           <a:solidFill>
             <a:schemeClr val="tx1"/>
           </a:solidFill>
@@ -3033,8 +3031,8 @@
           <a:cs typeface="+mn-cs"/>
         </a:defRPr>
       </a:lvl5pPr>
-      <a:lvl6pPr marL="2286000" algn="l" defTabSz="457200" rtl="0" eaLnBrk="1" latinLnBrk="0" hangingPunct="1">
-        <a:defRPr sz="1800" kern="1200">
+      <a:lvl6pPr algn="l" defTabSz="342900" eaLnBrk="1" hangingPunct="1" latinLnBrk="0" marL="1714500" rtl="0">
+        <a:defRPr kern="1200" sz="1350">
           <a:solidFill>
             <a:schemeClr val="tx1"/>
           </a:solidFill>
@@ -3043,8 +3041,8 @@
           <a:cs typeface="+mn-cs"/>
         </a:defRPr>
       </a:lvl6pPr>
-      <a:lvl7pPr marL="2743200" algn="l" defTabSz="457200" rtl="0" eaLnBrk="1" latinLnBrk="0" hangingPunct="1">
-        <a:defRPr sz="1800" kern="1200">
+      <a:lvl7pPr algn="l" defTabSz="342900" eaLnBrk="1" hangingPunct="1" latinLnBrk="0" marL="2057400" rtl="0">
+        <a:defRPr kern="1200" sz="1350">
           <a:solidFill>
             <a:schemeClr val="tx1"/>
           </a:solidFill>
@@ -3053,8 +3051,8 @@
           <a:cs typeface="+mn-cs"/>
         </a:defRPr>
       </a:lvl7pPr>
-      <a:lvl8pPr marL="3200400" algn="l" defTabSz="457200" rtl="0" eaLnBrk="1" latinLnBrk="0" hangingPunct="1">
-        <a:defRPr sz="1800" kern="1200">
+      <a:lvl8pPr algn="l" defTabSz="342900" eaLnBrk="1" hangingPunct="1" latinLnBrk="0" marL="2400300" rtl="0">
+        <a:defRPr kern="1200" sz="1350">
           <a:solidFill>
             <a:schemeClr val="tx1"/>
           </a:solidFill>
@@ -3063,8 +3061,8 @@
           <a:cs typeface="+mn-cs"/>
         </a:defRPr>
       </a:lvl8pPr>
-      <a:lvl9pPr marL="3657600" algn="l" defTabSz="457200" rtl="0" eaLnBrk="1" latinLnBrk="0" hangingPunct="1">
-        <a:defRPr sz="1800" kern="1200">
+      <a:lvl9pPr algn="l" defTabSz="342900" eaLnBrk="1" hangingPunct="1" latinLnBrk="0" marL="2743200" rtl="0">
+        <a:defRPr kern="1200" sz="1350">
           <a:solidFill>
             <a:schemeClr val="tx1"/>
           </a:solidFill>
@@ -3079,7 +3077,7 @@
 </file>
 
 <file path=ppt/slides/slide1.xml><?xml version="1.0" encoding="utf-8"?>
-<p:sld xmlns:a="http://schemas.openxmlformats.org/drawingml/2006/main" xmlns:p="http://schemas.openxmlformats.org/presentationml/2006/main" xmlns:r="http://schemas.openxmlformats.org/officeDocument/2006/relationships">
+<p:sld xmlns:a="http://schemas.openxmlformats.org/drawingml/2006/main" xmlns:r="http://schemas.openxmlformats.org/officeDocument/2006/relationships" xmlns:p="http://schemas.openxmlformats.org/presentationml/2006/main">
   <p:cSld>
     <p:spTree>
       <p:nvGrpSpPr>
@@ -3087,65 +3085,368 @@
         <p:cNvGrpSpPr/>
         <p:nvPr/>
       </p:nvGrpSpPr>
-      <p:grpSpPr/>
-      <p:sp>
-        <p:nvSpPr>
-          <p:cNvPr id="2" name="Title 1"/>
-          <p:cNvSpPr>
-            <a:spLocks noGrp="1"/>
-          </p:cNvSpPr>
-          <p:nvPr>
-            <p:ph type="title"/>
-          </p:nvPr>
-        </p:nvSpPr>
-        <p:spPr/>
-        <p:txBody>
-          <a:bodyPr/>
-          <a:lstStyle/>
-          <a:p/>
-        </p:txBody>
-      </p:sp>
-      <p:pic>
-        <p:nvPicPr>
-          <p:cNvPr id="3" name="Picture Placeholder 2" descr="header.png"/>
-          <p:cNvPicPr>
-            <a:picLocks noGrp="1" noChangeAspect="1"/>
-          </p:cNvPicPr>
-          <p:nvPr>
-            <p:ph type="pic" idx="1"/>
-          </p:nvPr>
-        </p:nvPicPr>
-        <p:blipFill>
-          <a:blip r:embed="rId2"/>
-          <a:srcRect l="32421" r="32421"/>
-          <a:stretch>
-            <a:fillRect/>
-          </a:stretch>
-        </p:blipFill>
-        <p:spPr/>
-      </p:pic>
-      <p:sp>
-        <p:nvSpPr>
-          <p:cNvPr id="4" name="Text Placeholder 3"/>
-          <p:cNvSpPr>
-            <a:spLocks noGrp="1"/>
-          </p:cNvSpPr>
-          <p:nvPr>
-            <p:ph type="body" idx="2" sz="half"/>
-          </p:nvPr>
-        </p:nvSpPr>
-        <p:spPr/>
-        <p:txBody>
-          <a:bodyPr/>
-          <a:lstStyle/>
-          <a:p/>
+      <p:grpSpPr>
+        <a:xfrm>
+          <a:off x="0" y="0"/>
+          <a:ext cx="0" cy="0"/>
+          <a:chOff x="0" y="0"/>
+          <a:chExt cx="0" cy="0"/>
+        </a:xfrm>
+      </p:grpSpPr>
+      <p:sp>
+        <p:nvSpPr>
+          <p:cNvPr id="3" name="Content Placeholder 2"/>
+          <p:cNvSpPr>
+            <a:spLocks noGrp="1"/>
+          </p:cNvSpPr>
+          <p:nvPr>
+            <p:ph idx="1"/>
+          </p:nvPr>
+        </p:nvSpPr>
+        <p:spPr/>
+        <p:txBody>
+          <a:bodyPr/>
+          <a:lstStyle/>
+          <a:p>
+            <a:pPr lvl="0"/>
+            <a:r>
+              <a:rPr/>
+              <a:t>3 minutes</a:t>
+            </a:r>
+          </a:p>
+          <a:p>
+            <a:pPr lvl="0" indent="0" marL="0">
+              <a:buNone/>
+            </a:pPr>
+            <a:r>
+              <a:rPr/>
+              <a:t>You want to give the developers within your organization the same access. You also want to manage who is part of the developers’ group and who isn’t.</a:t>
+            </a:r>
+          </a:p>
+          <a:p>
+            <a:pPr lvl="0" indent="0" marL="0">
+              <a:buNone/>
+            </a:pPr>
+            <a:r>
+              <a:rPr/>
+              <a:t>Azure Active Directory (Azure AD) helps you to manage your cloud-based apps, on-premises apps, and resources by using your organization’s groups. Your resources can be part of the Azure AD organization, like permissions to manage objects through roles. Or your resources can be external to the organization, like software as a service (SaaS) apps, Azure services, SharePoint sites, and on-premises resources.</a:t>
+            </a:r>
+          </a:p>
         </p:txBody>
       </p:sp>
     </p:spTree>
   </p:cSld>
-  <p:clrMapOvr>
-    <a:masterClrMapping/>
-  </p:clrMapOvr>
+</p:sld>
+</file>
+
+<file path=ppt/slides/slide2.xml><?xml version="1.0" encoding="utf-8"?>
+<p:sld xmlns:a="http://schemas.openxmlformats.org/drawingml/2006/main" xmlns:r="http://schemas.openxmlformats.org/officeDocument/2006/relationships" xmlns:p="http://schemas.openxmlformats.org/presentationml/2006/main">
+  <p:cSld>
+    <p:spTree>
+      <p:nvGrpSpPr>
+        <p:cNvPr id="1" name=""/>
+        <p:cNvGrpSpPr/>
+        <p:nvPr/>
+      </p:nvGrpSpPr>
+      <p:grpSpPr>
+        <a:xfrm>
+          <a:off x="0" y="0"/>
+          <a:ext cx="0" cy="0"/>
+          <a:chOff x="0" y="0"/>
+          <a:chExt cx="0" cy="0"/>
+        </a:xfrm>
+      </p:grpSpPr>
+      <p:sp>
+        <p:nvSpPr>
+          <p:cNvPr id="2" name="Title 1"/>
+          <p:cNvSpPr>
+            <a:spLocks noGrp="1"/>
+          </p:cNvSpPr>
+          <p:nvPr>
+            <p:ph type="title"/>
+          </p:nvPr>
+        </p:nvSpPr>
+        <p:spPr/>
+        <p:txBody>
+          <a:bodyPr/>
+          <a:lstStyle/>
+          <a:p>
+            <a:pPr lvl="0" indent="0" marL="0">
+              <a:buNone/>
+            </a:pPr>
+            <a:r>
+              <a:rPr/>
+              <a:t>Access management in Azure AD</a:t>
+            </a:r>
+          </a:p>
+        </p:txBody>
+      </p:sp>
+      <p:sp>
+        <p:nvSpPr>
+          <p:cNvPr id="3" name="Content Placeholder 2"/>
+          <p:cNvSpPr>
+            <a:spLocks noGrp="1"/>
+          </p:cNvSpPr>
+          <p:nvPr>
+            <p:ph idx="1"/>
+          </p:nvPr>
+        </p:nvSpPr>
+        <p:spPr/>
+        <p:txBody>
+          <a:bodyPr/>
+          <a:lstStyle/>
+          <a:p>
+            <a:pPr lvl="0"/>
+            <a:r>
+              <a:rPr b="1"/>
+              <a:t>Azure AD roles</a:t>
+            </a:r>
+            <a:r>
+              <a:rPr/>
+              <a:t>: Use Azure AD roles to manage Azure AD-related resources like users, groups, billing, licensing, application registration, and more.</a:t>
+            </a:r>
+          </a:p>
+          <a:p>
+            <a:pPr lvl="0"/>
+            <a:r>
+              <a:rPr b="1"/>
+              <a:t>Role-based access control (RBAC) for Azure resources</a:t>
+            </a:r>
+            <a:r>
+              <a:rPr/>
+              <a:t>: Use RBAC roles to manage access to Azure resources like virtual machines, SQL databases, or storage. For example, you could assign an RBAC role to a user to manage and delete SQL databases in a specific resource group or subscription.</a:t>
+            </a:r>
+          </a:p>
+        </p:txBody>
+      </p:sp>
+    </p:spTree>
+  </p:cSld>
+</p:sld>
+</file>
+
+<file path=ppt/slides/slide3.xml><?xml version="1.0" encoding="utf-8"?>
+<p:sld xmlns:a="http://schemas.openxmlformats.org/drawingml/2006/main" xmlns:r="http://schemas.openxmlformats.org/officeDocument/2006/relationships" xmlns:p="http://schemas.openxmlformats.org/presentationml/2006/main">
+  <p:cSld>
+    <p:spTree>
+      <p:nvGrpSpPr>
+        <p:cNvPr id="1" name=""/>
+        <p:cNvGrpSpPr/>
+        <p:nvPr/>
+      </p:nvGrpSpPr>
+      <p:grpSpPr>
+        <a:xfrm>
+          <a:off x="0" y="0"/>
+          <a:ext cx="0" cy="0"/>
+          <a:chOff x="0" y="0"/>
+          <a:chExt cx="0" cy="0"/>
+        </a:xfrm>
+      </p:grpSpPr>
+      <p:sp>
+        <p:nvSpPr>
+          <p:cNvPr id="2" name="Title 1"/>
+          <p:cNvSpPr>
+            <a:spLocks noGrp="1"/>
+          </p:cNvSpPr>
+          <p:nvPr>
+            <p:ph type="title"/>
+          </p:nvPr>
+        </p:nvSpPr>
+        <p:spPr/>
+        <p:txBody>
+          <a:bodyPr/>
+          <a:lstStyle/>
+          <a:p>
+            <a:pPr lvl="0" indent="0" marL="0">
+              <a:buNone/>
+            </a:pPr>
+            <a:r>
+              <a:rPr/>
+              <a:t>Access rights through single user or group assignment</a:t>
+            </a:r>
+          </a:p>
+        </p:txBody>
+      </p:sp>
+      <p:sp>
+        <p:nvSpPr>
+          <p:cNvPr id="3" name="Content Placeholder 2"/>
+          <p:cNvSpPr>
+            <a:spLocks noGrp="1"/>
+          </p:cNvSpPr>
+          <p:nvPr>
+            <p:ph idx="1"/>
+          </p:nvPr>
+        </p:nvSpPr>
+        <p:spPr/>
+        <p:txBody>
+          <a:bodyPr/>
+          <a:lstStyle/>
+          <a:p>
+            <a:pPr lvl="0" indent="0" marL="0">
+              <a:buNone/>
+            </a:pPr>
+            <a:r>
+              <a:rPr/>
+              <a:t>Azure AD helps you provide access rights to a single user or to an entire group of users. You can assign a set of access permissions to all the members of the group. Access permissions range from full access to the ability to create or remove resources.</a:t>
+            </a:r>
+          </a:p>
+          <a:p>
+            <a:pPr lvl="0" indent="0" marL="0">
+              <a:buNone/>
+            </a:pPr>
+            <a:r>
+              <a:rPr/>
+              <a:t>There are different ways you can assign access rights:</a:t>
+            </a:r>
+          </a:p>
+          <a:p>
+            <a:pPr lvl="0"/>
+            <a:r>
+              <a:rPr b="1"/>
+              <a:t>Direct assignment</a:t>
+            </a:r>
+            <a:r>
+              <a:rPr/>
+              <a:t>: Assign a user the required access rights by directly assigning a role that has those access rights.</a:t>
+            </a:r>
+          </a:p>
+          <a:p>
+            <a:pPr lvl="0"/>
+            <a:r>
+              <a:rPr b="1"/>
+              <a:t>Group assignment</a:t>
+            </a:r>
+            <a:r>
+              <a:rPr/>
+              <a:t>: Assign a group the required access rights, and members of the group will inherit those rights.</a:t>
+            </a:r>
+          </a:p>
+          <a:p>
+            <a:pPr lvl="0"/>
+            <a:r>
+              <a:rPr b="1"/>
+              <a:t>Rule-based assignment</a:t>
+            </a:r>
+            <a:r>
+              <a:rPr/>
+              <a:t>: Use rules to determine a group membership based on user or device properties. For a user account or device’s group membership to be valid, the user or device must meet the rules. If the rules aren’t met, the user account or device’s group membership is no longer valid. The rules can be simple. You can select prewritten rules or write your own advanced rules.</a:t>
+            </a:r>
+          </a:p>
+          <a:p>
+            <a:pPr lvl="0" indent="0" marL="0">
+              <a:buNone/>
+            </a:pPr>
+            <a:r>
+              <a:rPr/>
+              <a:t>In the next unit, we assign users to an Azure AD group and use rule-based assignment to automatically manage their group membership.</a:t>
+            </a:r>
+          </a:p>
+        </p:txBody>
+      </p:sp>
+    </p:spTree>
+  </p:cSld>
+</p:sld>
+</file>
+
+<file path=ppt/slides/slide4.xml><?xml version="1.0" encoding="utf-8"?>
+<p:sld xmlns:a="http://schemas.openxmlformats.org/drawingml/2006/main" xmlns:r="http://schemas.openxmlformats.org/officeDocument/2006/relationships" xmlns:p="http://schemas.openxmlformats.org/presentationml/2006/main">
+  <p:cSld>
+    <p:spTree>
+      <p:nvGrpSpPr>
+        <p:cNvPr id="1" name=""/>
+        <p:cNvGrpSpPr/>
+        <p:nvPr/>
+      </p:nvGrpSpPr>
+      <p:grpSpPr>
+        <a:xfrm>
+          <a:off x="0" y="0"/>
+          <a:ext cx="0" cy="0"/>
+          <a:chOff x="0" y="0"/>
+          <a:chExt cx="0" cy="0"/>
+        </a:xfrm>
+      </p:grpSpPr>
+      <p:sp>
+        <p:nvSpPr>
+          <p:cNvPr id="2" name="Title 1"/>
+          <p:cNvSpPr>
+            <a:spLocks noGrp="1"/>
+          </p:cNvSpPr>
+          <p:nvPr>
+            <p:ph type="title"/>
+          </p:nvPr>
+        </p:nvSpPr>
+        <p:spPr/>
+        <p:txBody>
+          <a:bodyPr/>
+          <a:lstStyle/>
+          <a:p>
+            <a:pPr lvl="0" indent="0" marL="0">
+              <a:buNone/>
+            </a:pPr>
+            <a:r>
+              <a:rPr/>
+              <a:t>Next unit: Exercise - Assign users to Azure Active Directory groups</a:t>
+            </a:r>
+          </a:p>
+        </p:txBody>
+      </p:sp>
+      <p:sp>
+        <p:nvSpPr>
+          <p:cNvPr id="3" name="Content Placeholder 2"/>
+          <p:cNvSpPr>
+            <a:spLocks noGrp="1"/>
+          </p:cNvSpPr>
+          <p:nvPr>
+            <p:ph idx="1"/>
+          </p:nvPr>
+        </p:nvSpPr>
+        <p:spPr/>
+        <p:txBody>
+          <a:bodyPr/>
+          <a:lstStyle/>
+          <a:p>
+            <a:pPr lvl="0" indent="0" marL="0">
+              <a:buNone/>
+            </a:pPr>
+            <a:r>
+              <a:rPr>
+                <a:hlinkClick r:id="rId2"/>
+              </a:rPr>
+              <a:t>Continue</a:t>
+            </a:r>
+          </a:p>
+          <a:p>
+            <a:pPr lvl="0" indent="0" marL="0">
+              <a:buNone/>
+            </a:pPr>
+            <a:r>
+              <a:rPr/>
+              <a:t>Need help? See our </a:t>
+            </a:r>
+            <a:r>
+              <a:rPr>
+                <a:hlinkClick r:id="rId3"/>
+              </a:rPr>
+              <a:t>troubleshooting guide</a:t>
+            </a:r>
+            <a:r>
+              <a:rPr/>
+              <a:t> or provide specific feedback by </a:t>
+            </a:r>
+            <a:r>
+              <a:rPr>
+                <a:hlinkClick r:id="rId4"/>
+              </a:rPr>
+              <a:t>reporting an issue</a:t>
+            </a:r>
+            <a:r>
+              <a:rPr/>
+              <a:t>.</a:t>
+            </a:r>
+          </a:p>
+        </p:txBody>
+      </p:sp>
+    </p:spTree>
+  </p:cSld>
 </p:sld>
 </file>
 
@@ -3467,4 +3768,265 @@
   </a:objectDefaults>
   <a:extraClrSchemeLst/>
 </a:theme>
+</file>
+
+<file path=ppt/theme/theme2.xml><?xml version="1.0" encoding="utf-8"?>
+<a:theme xmlns:a="http://schemas.openxmlformats.org/drawingml/2006/main" name="Office Theme">
+  <a:themeElements>
+    <a:clrScheme name="Office">
+      <a:dk1>
+        <a:sysClr val="windowText" lastClr="000000"/>
+      </a:dk1>
+      <a:lt1>
+        <a:sysClr val="window" lastClr="FFFFFF"/>
+      </a:lt1>
+      <a:dk2>
+        <a:srgbClr val="44546A"/>
+      </a:dk2>
+      <a:lt2>
+        <a:srgbClr val="E7E6E6"/>
+      </a:lt2>
+      <a:accent1>
+        <a:srgbClr val="5B9BD5"/>
+      </a:accent1>
+      <a:accent2>
+        <a:srgbClr val="ED7D31"/>
+      </a:accent2>
+      <a:accent3>
+        <a:srgbClr val="A5A5A5"/>
+      </a:accent3>
+      <a:accent4>
+        <a:srgbClr val="FFC000"/>
+      </a:accent4>
+      <a:accent5>
+        <a:srgbClr val="4472C4"/>
+      </a:accent5>
+      <a:accent6>
+        <a:srgbClr val="70AD47"/>
+      </a:accent6>
+      <a:hlink>
+        <a:srgbClr val="0563C1"/>
+      </a:hlink>
+      <a:folHlink>
+        <a:srgbClr val="954F72"/>
+      </a:folHlink>
+    </a:clrScheme>
+    <a:fontScheme name="Office">
+      <a:majorFont>
+        <a:latin typeface="Calibri Light" panose="020F0302020204030204"/>
+        <a:ea typeface=""/>
+        <a:cs typeface=""/>
+        <a:font script="Jpan" typeface="ＭＳ Ｐゴシック"/>
+        <a:font script="Hang" typeface="맑은 고딕"/>
+        <a:font script="Hans" typeface="宋体"/>
+        <a:font script="Hant" typeface="新細明體"/>
+        <a:font script="Arab" typeface="Times New Roman"/>
+        <a:font script="Hebr" typeface="Times New Roman"/>
+        <a:font script="Thai" typeface="Angsana New"/>
+        <a:font script="Ethi" typeface="Nyala"/>
+        <a:font script="Beng" typeface="Vrinda"/>
+        <a:font script="Gujr" typeface="Shruti"/>
+        <a:font script="Khmr" typeface="MoolBoran"/>
+        <a:font script="Knda" typeface="Tunga"/>
+        <a:font script="Guru" typeface="Raavi"/>
+        <a:font script="Cans" typeface="Euphemia"/>
+        <a:font script="Cher" typeface="Plantagenet Cherokee"/>
+        <a:font script="Yiii" typeface="Microsoft Yi Baiti"/>
+        <a:font script="Tibt" typeface="Microsoft Himalaya"/>
+        <a:font script="Thaa" typeface="MV Boli"/>
+        <a:font script="Deva" typeface="Mangal"/>
+        <a:font script="Telu" typeface="Gautami"/>
+        <a:font script="Taml" typeface="Latha"/>
+        <a:font script="Syrc" typeface="Estrangelo Edessa"/>
+        <a:font script="Orya" typeface="Kalinga"/>
+        <a:font script="Mlym" typeface="Kartika"/>
+        <a:font script="Laoo" typeface="DokChampa"/>
+        <a:font script="Sinh" typeface="Iskoola Pota"/>
+        <a:font script="Mong" typeface="Mongolian Baiti"/>
+        <a:font script="Viet" typeface="Times New Roman"/>
+        <a:font script="Uigh" typeface="Microsoft Uighur"/>
+        <a:font script="Geor" typeface="Sylfaen"/>
+      </a:majorFont>
+      <a:minorFont>
+        <a:latin typeface="Calibri" panose="020F0502020204030204"/>
+        <a:ea typeface=""/>
+        <a:cs typeface=""/>
+        <a:font script="Jpan" typeface="ＭＳ Ｐゴシック"/>
+        <a:font script="Hang" typeface="맑은 고딕"/>
+        <a:font script="Hans" typeface="宋体"/>
+        <a:font script="Hant" typeface="新細明體"/>
+        <a:font script="Arab" typeface="Arial"/>
+        <a:font script="Hebr" typeface="Arial"/>
+        <a:font script="Thai" typeface="Cordia New"/>
+        <a:font script="Ethi" typeface="Nyala"/>
+        <a:font script="Beng" typeface="Vrinda"/>
+        <a:font script="Gujr" typeface="Shruti"/>
+        <a:font script="Khmr" typeface="DaunPenh"/>
+        <a:font script="Knda" typeface="Tunga"/>
+        <a:font script="Guru" typeface="Raavi"/>
+        <a:font script="Cans" typeface="Euphemia"/>
+        <a:font script="Cher" typeface="Plantagenet Cherokee"/>
+        <a:font script="Yiii" typeface="Microsoft Yi Baiti"/>
+        <a:font script="Tibt" typeface="Microsoft Himalaya"/>
+        <a:font script="Thaa" typeface="MV Boli"/>
+        <a:font script="Deva" typeface="Mangal"/>
+        <a:font script="Telu" typeface="Gautami"/>
+        <a:font script="Taml" typeface="Latha"/>
+        <a:font script="Syrc" typeface="Estrangelo Edessa"/>
+        <a:font script="Orya" typeface="Kalinga"/>
+        <a:font script="Mlym" typeface="Kartika"/>
+        <a:font script="Laoo" typeface="DokChampa"/>
+        <a:font script="Sinh" typeface="Iskoola Pota"/>
+        <a:font script="Mong" typeface="Mongolian Baiti"/>
+        <a:font script="Viet" typeface="Arial"/>
+        <a:font script="Uigh" typeface="Microsoft Uighur"/>
+        <a:font script="Geor" typeface="Sylfaen"/>
+      </a:minorFont>
+    </a:fontScheme>
+    <a:fmtScheme name="Office">
+      <a:fillStyleLst>
+        <a:solidFill>
+          <a:schemeClr val="phClr"/>
+        </a:solidFill>
+        <a:gradFill rotWithShape="1">
+          <a:gsLst>
+            <a:gs pos="0">
+              <a:schemeClr val="phClr">
+                <a:lumMod val="110000"/>
+                <a:satMod val="105000"/>
+                <a:tint val="67000"/>
+              </a:schemeClr>
+            </a:gs>
+            <a:gs pos="50000">
+              <a:schemeClr val="phClr">
+                <a:lumMod val="105000"/>
+                <a:satMod val="103000"/>
+                <a:tint val="73000"/>
+              </a:schemeClr>
+            </a:gs>
+            <a:gs pos="100000">
+              <a:schemeClr val="phClr">
+                <a:lumMod val="105000"/>
+                <a:satMod val="109000"/>
+                <a:tint val="81000"/>
+              </a:schemeClr>
+            </a:gs>
+          </a:gsLst>
+          <a:lin ang="5400000" scaled="0"/>
+        </a:gradFill>
+        <a:gradFill rotWithShape="1">
+          <a:gsLst>
+            <a:gs pos="0">
+              <a:schemeClr val="phClr">
+                <a:satMod val="103000"/>
+                <a:lumMod val="102000"/>
+                <a:tint val="94000"/>
+              </a:schemeClr>
+            </a:gs>
+            <a:gs pos="50000">
+              <a:schemeClr val="phClr">
+                <a:satMod val="110000"/>
+                <a:lumMod val="100000"/>
+                <a:shade val="100000"/>
+              </a:schemeClr>
+            </a:gs>
+            <a:gs pos="100000">
+              <a:schemeClr val="phClr">
+                <a:lumMod val="99000"/>
+                <a:satMod val="120000"/>
+                <a:shade val="78000"/>
+              </a:schemeClr>
+            </a:gs>
+          </a:gsLst>
+          <a:lin ang="5400000" scaled="0"/>
+        </a:gradFill>
+      </a:fillStyleLst>
+      <a:lnStyleLst>
+        <a:ln w="6350" cap="flat" cmpd="sng" algn="ctr">
+          <a:solidFill>
+            <a:schemeClr val="phClr"/>
+          </a:solidFill>
+          <a:prstDash val="solid"/>
+          <a:miter lim="800000"/>
+        </a:ln>
+        <a:ln w="12700" cap="flat" cmpd="sng" algn="ctr">
+          <a:solidFill>
+            <a:schemeClr val="phClr"/>
+          </a:solidFill>
+          <a:prstDash val="solid"/>
+          <a:miter lim="800000"/>
+        </a:ln>
+        <a:ln w="19050" cap="flat" cmpd="sng" algn="ctr">
+          <a:solidFill>
+            <a:schemeClr val="phClr"/>
+          </a:solidFill>
+          <a:prstDash val="solid"/>
+          <a:miter lim="800000"/>
+        </a:ln>
+      </a:lnStyleLst>
+      <a:effectStyleLst>
+        <a:effectStyle>
+          <a:effectLst/>
+        </a:effectStyle>
+        <a:effectStyle>
+          <a:effectLst/>
+        </a:effectStyle>
+        <a:effectStyle>
+          <a:effectLst>
+            <a:outerShdw blurRad="57150" dist="19050" dir="5400000" algn="ctr" rotWithShape="0">
+              <a:srgbClr val="000000">
+                <a:alpha val="63000"/>
+              </a:srgbClr>
+            </a:outerShdw>
+          </a:effectLst>
+        </a:effectStyle>
+      </a:effectStyleLst>
+      <a:bgFillStyleLst>
+        <a:solidFill>
+          <a:schemeClr val="phClr"/>
+        </a:solidFill>
+        <a:solidFill>
+          <a:schemeClr val="phClr">
+            <a:tint val="95000"/>
+            <a:satMod val="170000"/>
+          </a:schemeClr>
+        </a:solidFill>
+        <a:gradFill rotWithShape="1">
+          <a:gsLst>
+            <a:gs pos="0">
+              <a:schemeClr val="phClr">
+                <a:tint val="93000"/>
+                <a:satMod val="150000"/>
+                <a:shade val="98000"/>
+                <a:lumMod val="102000"/>
+              </a:schemeClr>
+            </a:gs>
+            <a:gs pos="50000">
+              <a:schemeClr val="phClr">
+                <a:tint val="98000"/>
+                <a:satMod val="130000"/>
+                <a:shade val="90000"/>
+                <a:lumMod val="103000"/>
+              </a:schemeClr>
+            </a:gs>
+            <a:gs pos="100000">
+              <a:schemeClr val="phClr">
+                <a:shade val="63000"/>
+                <a:satMod val="120000"/>
+              </a:schemeClr>
+            </a:gs>
+          </a:gsLst>
+          <a:lin ang="5400000" scaled="0"/>
+        </a:gradFill>
+      </a:bgFillStyleLst>
+    </a:fmtScheme>
+  </a:themeElements>
+  <a:objectDefaults/>
+  <a:extraClrSchemeLst/>
+  <a:extLst>
+    <a:ext uri="{05A4C25C-085E-4340-85A3-A5531E510DB2}">
+      <thm15:themeFamily xmlns:thm15="http://schemas.microsoft.com/office/thememl/2012/main" name="Office Theme" id="{62F939B6-93AF-4DB8-9C6B-D6C7DFDC589F}" vid="{4A3C46E8-61CC-4603-A589-7422A47A8E4A}"/>
+    </a:ext>
+  </a:extLst>
+</a:theme>
 </file>